--- a/assets/slides/classes/slides.pptx
+++ b/assets/slides/classes/slides.pptx
@@ -5,7 +5,7 @@
     <p:sldMasterId id="2147483720" r:id="rId1"/>
   </p:sldMasterIdLst>
   <p:notesMasterIdLst>
-    <p:notesMasterId r:id="rId8"/>
+    <p:notesMasterId r:id="rId10"/>
   </p:notesMasterIdLst>
   <p:sldIdLst>
     <p:sldId id="260" r:id="rId2"/>
@@ -13,7 +13,9 @@
     <p:sldId id="302" r:id="rId4"/>
     <p:sldId id="304" r:id="rId5"/>
     <p:sldId id="305" r:id="rId6"/>
-    <p:sldId id="303" r:id="rId7"/>
+    <p:sldId id="307" r:id="rId7"/>
+    <p:sldId id="308" r:id="rId8"/>
+    <p:sldId id="303" r:id="rId9"/>
   </p:sldIdLst>
   <p:sldSz cx="9144000" cy="6858000" type="screen4x3"/>
   <p:notesSz cx="6858000" cy="9144000"/>
@@ -122,6 +124,8 @@
             <p14:sldId id="302"/>
             <p14:sldId id="304"/>
             <p14:sldId id="305"/>
+            <p14:sldId id="307"/>
+            <p14:sldId id="308"/>
             <p14:sldId id="303"/>
           </p14:sldIdLst>
         </p14:section>
@@ -227,7 +231,7 @@
           <a:p>
             <a:fld id="{D229E745-C966-47D4-9699-14D7414E4378}" type="datetimeFigureOut">
               <a:rPr lang="en-US" smtClean="0"/>
-              <a:t>1/31/2018</a:t>
+              <a:t>2/2/2018</a:t>
             </a:fld>
             <a:endParaRPr lang="en-US"/>
           </a:p>
@@ -988,6 +992,174 @@
     </p:spTree>
     <p:extLst>
       <p:ext uri="{BB962C8B-B14F-4D97-AF65-F5344CB8AC3E}">
+        <p14:creationId xmlns:p14="http://schemas.microsoft.com/office/powerpoint/2010/main" val="3890820877"/>
+      </p:ext>
+    </p:extLst>
+  </p:cSld>
+  <p:clrMapOvr>
+    <a:masterClrMapping/>
+  </p:clrMapOvr>
+</p:notes>
+</file>
+
+<file path=ppt/notesSlides/notesSlide7.xml><?xml version="1.0" encoding="utf-8"?>
+<p:notes xmlns:a="http://schemas.openxmlformats.org/drawingml/2006/main" xmlns:r="http://schemas.openxmlformats.org/officeDocument/2006/relationships" xmlns:p="http://schemas.openxmlformats.org/presentationml/2006/main">
+  <p:cSld>
+    <p:spTree>
+      <p:nvGrpSpPr>
+        <p:cNvPr id="1" name=""/>
+        <p:cNvGrpSpPr/>
+        <p:nvPr/>
+      </p:nvGrpSpPr>
+      <p:grpSpPr>
+        <a:xfrm>
+          <a:off x="0" y="0"/>
+          <a:ext cx="0" cy="0"/>
+          <a:chOff x="0" y="0"/>
+          <a:chExt cx="0" cy="0"/>
+        </a:xfrm>
+      </p:grpSpPr>
+      <p:sp>
+        <p:nvSpPr>
+          <p:cNvPr id="2" name="Slide Image Placeholder 1"/>
+          <p:cNvSpPr>
+            <a:spLocks noGrp="1" noRot="1" noChangeAspect="1"/>
+          </p:cNvSpPr>
+          <p:nvPr>
+            <p:ph type="sldImg"/>
+          </p:nvPr>
+        </p:nvSpPr>
+        <p:spPr/>
+      </p:sp>
+      <p:sp>
+        <p:nvSpPr>
+          <p:cNvPr id="3" name="Notes Placeholder 2"/>
+          <p:cNvSpPr>
+            <a:spLocks noGrp="1"/>
+          </p:cNvSpPr>
+          <p:nvPr>
+            <p:ph type="body" idx="1"/>
+          </p:nvPr>
+        </p:nvSpPr>
+        <p:spPr/>
+        <p:txBody>
+          <a:bodyPr/>
+          <a:lstStyle/>
+          <a:p>
+            <a:endParaRPr lang="en-US" baseline="0" dirty="0" smtClean="0"/>
+          </a:p>
+        </p:txBody>
+      </p:sp>
+      <p:sp>
+        <p:nvSpPr>
+          <p:cNvPr id="4" name="Slide Number Placeholder 3"/>
+          <p:cNvSpPr>
+            <a:spLocks noGrp="1"/>
+          </p:cNvSpPr>
+          <p:nvPr>
+            <p:ph type="sldNum" sz="quarter" idx="10"/>
+          </p:nvPr>
+        </p:nvSpPr>
+        <p:spPr/>
+        <p:txBody>
+          <a:bodyPr/>
+          <a:lstStyle/>
+          <a:p>
+            <a:fld id="{A86375C9-F819-400D-83A5-4F4663C2F038}" type="slidenum">
+              <a:rPr lang="en-US" smtClean="0"/>
+              <a:t>7</a:t>
+            </a:fld>
+            <a:endParaRPr lang="en-US"/>
+          </a:p>
+        </p:txBody>
+      </p:sp>
+    </p:spTree>
+    <p:extLst>
+      <p:ext uri="{BB962C8B-B14F-4D97-AF65-F5344CB8AC3E}">
+        <p14:creationId xmlns:p14="http://schemas.microsoft.com/office/powerpoint/2010/main" val="2790374274"/>
+      </p:ext>
+    </p:extLst>
+  </p:cSld>
+  <p:clrMapOvr>
+    <a:masterClrMapping/>
+  </p:clrMapOvr>
+</p:notes>
+</file>
+
+<file path=ppt/notesSlides/notesSlide8.xml><?xml version="1.0" encoding="utf-8"?>
+<p:notes xmlns:a="http://schemas.openxmlformats.org/drawingml/2006/main" xmlns:r="http://schemas.openxmlformats.org/officeDocument/2006/relationships" xmlns:p="http://schemas.openxmlformats.org/presentationml/2006/main">
+  <p:cSld>
+    <p:spTree>
+      <p:nvGrpSpPr>
+        <p:cNvPr id="1" name=""/>
+        <p:cNvGrpSpPr/>
+        <p:nvPr/>
+      </p:nvGrpSpPr>
+      <p:grpSpPr>
+        <a:xfrm>
+          <a:off x="0" y="0"/>
+          <a:ext cx="0" cy="0"/>
+          <a:chOff x="0" y="0"/>
+          <a:chExt cx="0" cy="0"/>
+        </a:xfrm>
+      </p:grpSpPr>
+      <p:sp>
+        <p:nvSpPr>
+          <p:cNvPr id="2" name="Slide Image Placeholder 1"/>
+          <p:cNvSpPr>
+            <a:spLocks noGrp="1" noRot="1" noChangeAspect="1"/>
+          </p:cNvSpPr>
+          <p:nvPr>
+            <p:ph type="sldImg"/>
+          </p:nvPr>
+        </p:nvSpPr>
+        <p:spPr/>
+      </p:sp>
+      <p:sp>
+        <p:nvSpPr>
+          <p:cNvPr id="3" name="Notes Placeholder 2"/>
+          <p:cNvSpPr>
+            <a:spLocks noGrp="1"/>
+          </p:cNvSpPr>
+          <p:nvPr>
+            <p:ph type="body" idx="1"/>
+          </p:nvPr>
+        </p:nvSpPr>
+        <p:spPr/>
+        <p:txBody>
+          <a:bodyPr/>
+          <a:lstStyle/>
+          <a:p>
+            <a:endParaRPr lang="en-US" baseline="0" dirty="0" smtClean="0"/>
+          </a:p>
+        </p:txBody>
+      </p:sp>
+      <p:sp>
+        <p:nvSpPr>
+          <p:cNvPr id="4" name="Slide Number Placeholder 3"/>
+          <p:cNvSpPr>
+            <a:spLocks noGrp="1"/>
+          </p:cNvSpPr>
+          <p:nvPr>
+            <p:ph type="sldNum" sz="quarter" idx="10"/>
+          </p:nvPr>
+        </p:nvSpPr>
+        <p:spPr/>
+        <p:txBody>
+          <a:bodyPr/>
+          <a:lstStyle/>
+          <a:p>
+            <a:fld id="{A86375C9-F819-400D-83A5-4F4663C2F038}" type="slidenum">
+              <a:rPr lang="en-US" smtClean="0"/>
+              <a:t>8</a:t>
+            </a:fld>
+            <a:endParaRPr lang="en-US"/>
+          </a:p>
+        </p:txBody>
+      </p:sp>
+    </p:spTree>
+    <p:extLst>
+      <p:ext uri="{BB962C8B-B14F-4D97-AF65-F5344CB8AC3E}">
         <p14:creationId xmlns:p14="http://schemas.microsoft.com/office/powerpoint/2010/main" val="741856052"/>
       </p:ext>
     </p:extLst>
@@ -1130,7 +1302,7 @@
             <a:fld id="{A26177BE-2AC9-4FFF-A291-7105E34736A6}" type="datetimeFigureOut">
               <a:rPr lang="en-US" smtClean="0"/>
               <a:pPr/>
-              <a:t>1/31/2018</a:t>
+              <a:t>2/2/2018</a:t>
             </a:fld>
             <a:endParaRPr lang="en-US"/>
           </a:p>
@@ -1302,7 +1474,7 @@
             <a:fld id="{A26177BE-2AC9-4FFF-A291-7105E34736A6}" type="datetimeFigureOut">
               <a:rPr lang="en-US" smtClean="0"/>
               <a:pPr/>
-              <a:t>1/31/2018</a:t>
+              <a:t>2/2/2018</a:t>
             </a:fld>
             <a:endParaRPr lang="en-US"/>
           </a:p>
@@ -1484,7 +1656,7 @@
             <a:fld id="{A26177BE-2AC9-4FFF-A291-7105E34736A6}" type="datetimeFigureOut">
               <a:rPr lang="en-US" smtClean="0"/>
               <a:pPr/>
-              <a:t>1/31/2018</a:t>
+              <a:t>2/2/2018</a:t>
             </a:fld>
             <a:endParaRPr lang="en-US"/>
           </a:p>
@@ -1656,7 +1828,7 @@
             <a:fld id="{A26177BE-2AC9-4FFF-A291-7105E34736A6}" type="datetimeFigureOut">
               <a:rPr lang="en-US" smtClean="0"/>
               <a:pPr/>
-              <a:t>1/31/2018</a:t>
+              <a:t>2/2/2018</a:t>
             </a:fld>
             <a:endParaRPr lang="en-US"/>
           </a:p>
@@ -1902,7 +2074,7 @@
             <a:fld id="{A26177BE-2AC9-4FFF-A291-7105E34736A6}" type="datetimeFigureOut">
               <a:rPr lang="en-US" smtClean="0"/>
               <a:pPr/>
-              <a:t>1/31/2018</a:t>
+              <a:t>2/2/2018</a:t>
             </a:fld>
             <a:endParaRPr lang="en-US"/>
           </a:p>
@@ -2136,7 +2308,7 @@
             <a:fld id="{A26177BE-2AC9-4FFF-A291-7105E34736A6}" type="datetimeFigureOut">
               <a:rPr lang="en-US" smtClean="0"/>
               <a:pPr/>
-              <a:t>1/31/2018</a:t>
+              <a:t>2/2/2018</a:t>
             </a:fld>
             <a:endParaRPr lang="en-US"/>
           </a:p>
@@ -2505,7 +2677,7 @@
             <a:fld id="{A26177BE-2AC9-4FFF-A291-7105E34736A6}" type="datetimeFigureOut">
               <a:rPr lang="en-US" smtClean="0"/>
               <a:pPr/>
-              <a:t>1/31/2018</a:t>
+              <a:t>2/2/2018</a:t>
             </a:fld>
             <a:endParaRPr lang="en-US"/>
           </a:p>
@@ -2625,7 +2797,7 @@
             <a:fld id="{A26177BE-2AC9-4FFF-A291-7105E34736A6}" type="datetimeFigureOut">
               <a:rPr lang="en-US" smtClean="0"/>
               <a:pPr/>
-              <a:t>1/31/2018</a:t>
+              <a:t>2/2/2018</a:t>
             </a:fld>
             <a:endParaRPr lang="en-US"/>
           </a:p>
@@ -2722,7 +2894,7 @@
             <a:fld id="{A26177BE-2AC9-4FFF-A291-7105E34736A6}" type="datetimeFigureOut">
               <a:rPr lang="en-US" smtClean="0"/>
               <a:pPr/>
-              <a:t>1/31/2018</a:t>
+              <a:t>2/2/2018</a:t>
             </a:fld>
             <a:endParaRPr lang="en-US"/>
           </a:p>
@@ -3001,7 +3173,7 @@
             <a:fld id="{A26177BE-2AC9-4FFF-A291-7105E34736A6}" type="datetimeFigureOut">
               <a:rPr lang="en-US" smtClean="0"/>
               <a:pPr/>
-              <a:t>1/31/2018</a:t>
+              <a:t>2/2/2018</a:t>
             </a:fld>
             <a:endParaRPr lang="en-US"/>
           </a:p>
@@ -3260,7 +3432,7 @@
             <a:fld id="{A26177BE-2AC9-4FFF-A291-7105E34736A6}" type="datetimeFigureOut">
               <a:rPr lang="en-US" smtClean="0"/>
               <a:pPr/>
-              <a:t>1/31/2018</a:t>
+              <a:t>2/2/2018</a:t>
             </a:fld>
             <a:endParaRPr lang="en-US"/>
           </a:p>
@@ -3475,7 +3647,7 @@
             <a:fld id="{A26177BE-2AC9-4FFF-A291-7105E34736A6}" type="datetimeFigureOut">
               <a:rPr lang="en-US" smtClean="0"/>
               <a:pPr/>
-              <a:t>1/31/2018</a:t>
+              <a:t>2/2/2018</a:t>
             </a:fld>
             <a:endParaRPr lang="en-US"/>
           </a:p>
@@ -3906,15 +4078,7 @@
             <a:pPr algn="l"/>
             <a:r>
               <a:rPr lang="en-US" dirty="0" smtClean="0"/>
-              <a:t>Java: </a:t>
-            </a:r>
-            <a:r>
-              <a:rPr lang="en-US" dirty="0" smtClean="0"/>
-              <a:t>b</a:t>
-            </a:r>
-            <a:r>
-              <a:rPr lang="en-US" dirty="0" smtClean="0"/>
-              <a:t>anking program</a:t>
+              <a:t>Java: banking program</a:t>
             </a:r>
             <a:endParaRPr lang="en-US" dirty="0"/>
           </a:p>
@@ -4696,13 +4860,7 @@
               <a:rPr lang="en-US" dirty="0" err="1" smtClean="0">
                 <a:latin typeface="Consolas" panose="020B0609020204030204" pitchFamily="49" charset="0"/>
               </a:rPr>
-              <a:t>g</a:t>
-            </a:r>
-            <a:r>
-              <a:rPr lang="en-US" dirty="0" err="1" smtClean="0">
-                <a:latin typeface="Consolas" panose="020B0609020204030204" pitchFamily="49" charset="0"/>
-              </a:rPr>
-              <a:t>etName</a:t>
+              <a:t>getName</a:t>
             </a:r>
             <a:r>
               <a:rPr lang="en-US" dirty="0"/>
@@ -4712,7 +4870,6 @@
               <a:rPr lang="en-US" dirty="0" smtClean="0"/>
               <a:t>– returns member’s name</a:t>
             </a:r>
-            <a:endParaRPr lang="en-US" dirty="0" smtClean="0"/>
           </a:p>
           <a:p>
             <a:pPr lvl="2"/>
@@ -4726,7 +4883,6 @@
               <a:rPr lang="en-US" dirty="0" smtClean="0"/>
               <a:t> – returns member’s bank account</a:t>
             </a:r>
-            <a:endParaRPr lang="en-US" dirty="0" smtClean="0"/>
           </a:p>
         </p:txBody>
       </p:sp>
@@ -5059,12 +5215,14 @@
             <a:r>
               <a:rPr lang="en-US" sz="2800" dirty="0" smtClean="0">
                 <a:latin typeface="Consolas" panose="020B0609020204030204" pitchFamily="49" charset="0"/>
+                <a:hlinkClick r:id="rId3" action="ppaction://hlinksldjump"/>
               </a:rPr>
               <a:t>see attached </a:t>
             </a:r>
             <a:r>
               <a:rPr lang="en-US" sz="2800" dirty="0" err="1" smtClean="0">
                 <a:latin typeface="Consolas" panose="020B0609020204030204" pitchFamily="49" charset="0"/>
+                <a:hlinkClick r:id="rId3" action="ppaction://hlinksldjump"/>
               </a:rPr>
               <a:t>notcard</a:t>
             </a:r>
@@ -5649,6 +5807,497 @@
 </file>
 
 <file path=ppt/slides/slide6.xml><?xml version="1.0" encoding="utf-8"?>
+<p:sld xmlns:a="http://schemas.openxmlformats.org/drawingml/2006/main" xmlns:r="http://schemas.openxmlformats.org/officeDocument/2006/relationships" xmlns:p="http://schemas.openxmlformats.org/presentationml/2006/main">
+  <p:cSld>
+    <p:spTree>
+      <p:nvGrpSpPr>
+        <p:cNvPr id="1" name=""/>
+        <p:cNvGrpSpPr/>
+        <p:nvPr/>
+      </p:nvGrpSpPr>
+      <p:grpSpPr>
+        <a:xfrm>
+          <a:off x="0" y="0"/>
+          <a:ext cx="0" cy="0"/>
+          <a:chOff x="0" y="0"/>
+          <a:chExt cx="0" cy="0"/>
+        </a:xfrm>
+      </p:grpSpPr>
+      <p:sp>
+        <p:nvSpPr>
+          <p:cNvPr id="2" name="Title 1"/>
+          <p:cNvSpPr>
+            <a:spLocks noGrp="1"/>
+          </p:cNvSpPr>
+          <p:nvPr>
+            <p:ph type="title"/>
+          </p:nvPr>
+        </p:nvSpPr>
+        <p:spPr/>
+        <p:txBody>
+          <a:bodyPr/>
+          <a:lstStyle/>
+          <a:p>
+            <a:r>
+              <a:rPr lang="en-US" dirty="0" smtClean="0"/>
+              <a:t>Practice</a:t>
+            </a:r>
+            <a:endParaRPr lang="en-US" dirty="0"/>
+          </a:p>
+        </p:txBody>
+      </p:sp>
+      <p:sp>
+        <p:nvSpPr>
+          <p:cNvPr id="3" name="Content Placeholder 2"/>
+          <p:cNvSpPr>
+            <a:spLocks noGrp="1"/>
+          </p:cNvSpPr>
+          <p:nvPr>
+            <p:ph idx="1"/>
+          </p:nvPr>
+        </p:nvSpPr>
+        <p:spPr/>
+        <p:txBody>
+          <a:bodyPr>
+            <a:normAutofit/>
+          </a:bodyPr>
+          <a:lstStyle/>
+          <a:p>
+            <a:r>
+              <a:rPr lang="en-US" dirty="0" smtClean="0"/>
+              <a:t>Create an additional class </a:t>
+            </a:r>
+            <a:r>
+              <a:rPr lang="en-US" dirty="0" err="1" smtClean="0">
+                <a:latin typeface="Consolas" panose="020B0609020204030204" pitchFamily="49" charset="0"/>
+              </a:rPr>
+              <a:t>BankCheck</a:t>
+            </a:r>
+            <a:endParaRPr lang="en-US" dirty="0" smtClean="0">
+              <a:latin typeface="Consolas" panose="020B0609020204030204" pitchFamily="49" charset="0"/>
+            </a:endParaRPr>
+          </a:p>
+          <a:p>
+            <a:pPr lvl="1"/>
+            <a:r>
+              <a:rPr lang="en-US" dirty="0" smtClean="0"/>
+              <a:t>Three </a:t>
+            </a:r>
+            <a:r>
+              <a:rPr lang="en-US" dirty="0" smtClean="0"/>
+              <a:t>instance variables</a:t>
+            </a:r>
+          </a:p>
+          <a:p>
+            <a:pPr lvl="2"/>
+            <a:r>
+              <a:rPr lang="en-US" dirty="0" smtClean="0">
+                <a:latin typeface="Consolas" panose="020B0609020204030204" pitchFamily="49" charset="0"/>
+              </a:rPr>
+              <a:t>amount</a:t>
+            </a:r>
+            <a:r>
+              <a:rPr lang="en-US" dirty="0" smtClean="0"/>
+              <a:t> </a:t>
+            </a:r>
+            <a:r>
+              <a:rPr lang="en-US" dirty="0" smtClean="0"/>
+              <a:t>– </a:t>
+            </a:r>
+            <a:r>
+              <a:rPr lang="en-US" dirty="0" smtClean="0"/>
+              <a:t>amount of check</a:t>
+            </a:r>
+            <a:endParaRPr lang="en-US" dirty="0" smtClean="0">
+              <a:latin typeface="Consolas" panose="020B0609020204030204" pitchFamily="49" charset="0"/>
+            </a:endParaRPr>
+          </a:p>
+          <a:p>
+            <a:pPr lvl="2"/>
+            <a:r>
+              <a:rPr lang="en-US" dirty="0" smtClean="0">
+                <a:latin typeface="Consolas" panose="020B0609020204030204" pitchFamily="49" charset="0"/>
+              </a:rPr>
+              <a:t>to</a:t>
+            </a:r>
+            <a:r>
+              <a:rPr lang="en-US" dirty="0" smtClean="0"/>
+              <a:t> </a:t>
+            </a:r>
+            <a:r>
+              <a:rPr lang="en-US" dirty="0" smtClean="0"/>
+              <a:t>– </a:t>
+            </a:r>
+            <a:r>
+              <a:rPr lang="en-US" dirty="0" smtClean="0"/>
+              <a:t>the recipient of the check funds</a:t>
+            </a:r>
+          </a:p>
+          <a:p>
+            <a:pPr lvl="2"/>
+            <a:r>
+              <a:rPr lang="en-US" dirty="0" smtClean="0">
+                <a:latin typeface="Consolas" panose="020B0609020204030204" pitchFamily="49" charset="0"/>
+              </a:rPr>
+              <a:t>from</a:t>
+            </a:r>
+            <a:r>
+              <a:rPr lang="en-US" dirty="0" smtClean="0"/>
+              <a:t> </a:t>
+            </a:r>
+            <a:r>
+              <a:rPr lang="en-US" dirty="0"/>
+              <a:t>– the </a:t>
+            </a:r>
+            <a:r>
+              <a:rPr lang="en-US" dirty="0" smtClean="0"/>
+              <a:t>giver </a:t>
+            </a:r>
+            <a:r>
+              <a:rPr lang="en-US" dirty="0"/>
+              <a:t>of the check </a:t>
+            </a:r>
+            <a:r>
+              <a:rPr lang="en-US" dirty="0" smtClean="0"/>
+              <a:t>funds</a:t>
+            </a:r>
+            <a:endParaRPr lang="en-US" dirty="0" smtClean="0"/>
+          </a:p>
+          <a:p>
+            <a:pPr lvl="1"/>
+            <a:r>
+              <a:rPr lang="en-US" dirty="0" smtClean="0"/>
+              <a:t>Second </a:t>
+            </a:r>
+            <a:r>
+              <a:rPr lang="en-US" dirty="0"/>
+              <a:t>constructor</a:t>
+            </a:r>
+          </a:p>
+          <a:p>
+            <a:pPr lvl="2"/>
+            <a:r>
+              <a:rPr lang="en-US" dirty="0"/>
+              <a:t>takes a </a:t>
+            </a:r>
+            <a:r>
+              <a:rPr lang="en-US" dirty="0" smtClean="0"/>
+              <a:t>three </a:t>
+            </a:r>
+            <a:r>
+              <a:rPr lang="en-US" dirty="0" smtClean="0"/>
+              <a:t>parameters </a:t>
+            </a:r>
+            <a:r>
+              <a:rPr lang="en-US" dirty="0"/>
+              <a:t>– </a:t>
+            </a:r>
+            <a:r>
+              <a:rPr lang="en-US" dirty="0" smtClean="0"/>
+              <a:t>to member, from member, and amount</a:t>
+            </a:r>
+            <a:endParaRPr lang="en-US" dirty="0"/>
+          </a:p>
+          <a:p>
+            <a:pPr lvl="1"/>
+            <a:r>
+              <a:rPr lang="en-US" dirty="0" smtClean="0"/>
+              <a:t>Following </a:t>
+            </a:r>
+            <a:r>
+              <a:rPr lang="en-US" dirty="0" smtClean="0"/>
+              <a:t>instance methods</a:t>
+            </a:r>
+          </a:p>
+          <a:p>
+            <a:pPr lvl="2"/>
+            <a:r>
+              <a:rPr lang="en-US" dirty="0" err="1" smtClean="0">
+                <a:latin typeface="Consolas" panose="020B0609020204030204" pitchFamily="49" charset="0"/>
+              </a:rPr>
+              <a:t>getToMember</a:t>
+            </a:r>
+            <a:r>
+              <a:rPr lang="en-US" dirty="0" smtClean="0"/>
+              <a:t> </a:t>
+            </a:r>
+            <a:r>
+              <a:rPr lang="en-US" dirty="0" smtClean="0"/>
+              <a:t>– returns </a:t>
+            </a:r>
+            <a:r>
+              <a:rPr lang="en-US" dirty="0" smtClean="0"/>
+              <a:t>recipient</a:t>
+            </a:r>
+          </a:p>
+          <a:p>
+            <a:pPr lvl="2"/>
+            <a:r>
+              <a:rPr lang="en-US" dirty="0" err="1" smtClean="0">
+                <a:latin typeface="Consolas" panose="020B0609020204030204" pitchFamily="49" charset="0"/>
+              </a:rPr>
+              <a:t>getFromMember</a:t>
+            </a:r>
+            <a:r>
+              <a:rPr lang="en-US" dirty="0" smtClean="0"/>
+              <a:t> </a:t>
+            </a:r>
+            <a:r>
+              <a:rPr lang="en-US" dirty="0"/>
+              <a:t>– returns </a:t>
+            </a:r>
+            <a:r>
+              <a:rPr lang="en-US" dirty="0" smtClean="0"/>
+              <a:t>giver</a:t>
+            </a:r>
+            <a:endParaRPr lang="en-US" dirty="0" smtClean="0"/>
+          </a:p>
+          <a:p>
+            <a:pPr lvl="2"/>
+            <a:r>
+              <a:rPr lang="en-US" dirty="0" err="1" smtClean="0">
+                <a:latin typeface="Consolas" panose="020B0609020204030204" pitchFamily="49" charset="0"/>
+              </a:rPr>
+              <a:t>getAmount</a:t>
+            </a:r>
+            <a:r>
+              <a:rPr lang="en-US" dirty="0" smtClean="0"/>
+              <a:t> </a:t>
+            </a:r>
+            <a:r>
+              <a:rPr lang="en-US" dirty="0" smtClean="0"/>
+              <a:t>– returns </a:t>
+            </a:r>
+            <a:r>
+              <a:rPr lang="en-US" dirty="0" smtClean="0"/>
+              <a:t>check’s amount</a:t>
+            </a:r>
+            <a:endParaRPr lang="en-US" dirty="0" smtClean="0"/>
+          </a:p>
+        </p:txBody>
+      </p:sp>
+    </p:spTree>
+    <p:extLst>
+      <p:ext uri="{BB962C8B-B14F-4D97-AF65-F5344CB8AC3E}">
+        <p14:creationId xmlns:p14="http://schemas.microsoft.com/office/powerpoint/2010/main" val="3830984959"/>
+      </p:ext>
+    </p:extLst>
+  </p:cSld>
+  <p:clrMapOvr>
+    <a:masterClrMapping/>
+  </p:clrMapOvr>
+  <p:timing>
+    <p:tnLst>
+      <p:par>
+        <p:cTn id="1" dur="indefinite" restart="never" nodeType="tmRoot"/>
+      </p:par>
+    </p:tnLst>
+  </p:timing>
+</p:sld>
+</file>
+
+<file path=ppt/slides/slide7.xml><?xml version="1.0" encoding="utf-8"?>
+<p:sld xmlns:a="http://schemas.openxmlformats.org/drawingml/2006/main" xmlns:r="http://schemas.openxmlformats.org/officeDocument/2006/relationships" xmlns:p="http://schemas.openxmlformats.org/presentationml/2006/main">
+  <p:cSld>
+    <p:spTree>
+      <p:nvGrpSpPr>
+        <p:cNvPr id="1" name=""/>
+        <p:cNvGrpSpPr/>
+        <p:nvPr/>
+      </p:nvGrpSpPr>
+      <p:grpSpPr>
+        <a:xfrm>
+          <a:off x="0" y="0"/>
+          <a:ext cx="0" cy="0"/>
+          <a:chOff x="0" y="0"/>
+          <a:chExt cx="0" cy="0"/>
+        </a:xfrm>
+      </p:grpSpPr>
+      <p:sp>
+        <p:nvSpPr>
+          <p:cNvPr id="2" name="Title 1"/>
+          <p:cNvSpPr>
+            <a:spLocks noGrp="1"/>
+          </p:cNvSpPr>
+          <p:nvPr>
+            <p:ph type="title"/>
+          </p:nvPr>
+        </p:nvSpPr>
+        <p:spPr/>
+        <p:txBody>
+          <a:bodyPr/>
+          <a:lstStyle/>
+          <a:p>
+            <a:r>
+              <a:rPr lang="en-US" dirty="0" smtClean="0"/>
+              <a:t>Practice</a:t>
+            </a:r>
+            <a:endParaRPr lang="en-US" dirty="0"/>
+          </a:p>
+        </p:txBody>
+      </p:sp>
+      <p:sp>
+        <p:nvSpPr>
+          <p:cNvPr id="3" name="Content Placeholder 2"/>
+          <p:cNvSpPr>
+            <a:spLocks noGrp="1"/>
+          </p:cNvSpPr>
+          <p:nvPr>
+            <p:ph idx="1"/>
+          </p:nvPr>
+        </p:nvSpPr>
+        <p:spPr/>
+        <p:txBody>
+          <a:bodyPr>
+            <a:normAutofit/>
+          </a:bodyPr>
+          <a:lstStyle/>
+          <a:p>
+            <a:r>
+              <a:rPr lang="en-US" dirty="0" smtClean="0"/>
+              <a:t>Create an additional </a:t>
+            </a:r>
+            <a:r>
+              <a:rPr lang="en-US" dirty="0" smtClean="0"/>
+              <a:t>method in </a:t>
+            </a:r>
+            <a:r>
+              <a:rPr lang="en-US" dirty="0" err="1" smtClean="0">
+                <a:latin typeface="Consolas" panose="020B0609020204030204" pitchFamily="49" charset="0"/>
+              </a:rPr>
+              <a:t>BankMember</a:t>
+            </a:r>
+            <a:endParaRPr lang="en-US" dirty="0" smtClean="0">
+              <a:latin typeface="Consolas" panose="020B0609020204030204" pitchFamily="49" charset="0"/>
+            </a:endParaRPr>
+          </a:p>
+          <a:p>
+            <a:pPr lvl="1"/>
+            <a:r>
+              <a:rPr lang="en-US" dirty="0" err="1" smtClean="0">
+                <a:latin typeface="Consolas" panose="020B0609020204030204" pitchFamily="49" charset="0"/>
+              </a:rPr>
+              <a:t>cutCheck</a:t>
+            </a:r>
+            <a:endParaRPr lang="en-US" dirty="0" smtClean="0">
+              <a:latin typeface="Consolas" panose="020B0609020204030204" pitchFamily="49" charset="0"/>
+            </a:endParaRPr>
+          </a:p>
+          <a:p>
+            <a:pPr lvl="2"/>
+            <a:r>
+              <a:rPr lang="en-US" dirty="0" smtClean="0"/>
+              <a:t>takes </a:t>
+            </a:r>
+            <a:r>
+              <a:rPr lang="en-US" dirty="0"/>
+              <a:t>three parameters – to member, from member, and </a:t>
+            </a:r>
+            <a:r>
+              <a:rPr lang="en-US" dirty="0" smtClean="0"/>
+              <a:t>amount</a:t>
+            </a:r>
+            <a:endParaRPr lang="en-US" dirty="0" smtClean="0">
+              <a:latin typeface="Consolas" panose="020B0609020204030204" pitchFamily="49" charset="0"/>
+            </a:endParaRPr>
+          </a:p>
+          <a:p>
+            <a:pPr lvl="3"/>
+            <a:r>
+              <a:rPr lang="en-US" dirty="0" smtClean="0">
+                <a:latin typeface="Consolas" panose="020B0609020204030204" pitchFamily="49" charset="0"/>
+              </a:rPr>
+              <a:t>to</a:t>
+            </a:r>
+            <a:r>
+              <a:rPr lang="en-US" dirty="0" smtClean="0"/>
+              <a:t> </a:t>
+            </a:r>
+            <a:r>
+              <a:rPr lang="en-US" dirty="0" smtClean="0"/>
+              <a:t>– </a:t>
+            </a:r>
+            <a:r>
+              <a:rPr lang="en-US" dirty="0" smtClean="0"/>
+              <a:t>the recipient of the check funds</a:t>
+            </a:r>
+          </a:p>
+          <a:p>
+            <a:pPr lvl="3"/>
+            <a:r>
+              <a:rPr lang="en-US" dirty="0" smtClean="0">
+                <a:latin typeface="Consolas" panose="020B0609020204030204" pitchFamily="49" charset="0"/>
+              </a:rPr>
+              <a:t>from</a:t>
+            </a:r>
+            <a:r>
+              <a:rPr lang="en-US" dirty="0" smtClean="0"/>
+              <a:t> </a:t>
+            </a:r>
+            <a:r>
+              <a:rPr lang="en-US" dirty="0"/>
+              <a:t>– the </a:t>
+            </a:r>
+            <a:r>
+              <a:rPr lang="en-US" dirty="0" smtClean="0"/>
+              <a:t>giver </a:t>
+            </a:r>
+            <a:r>
+              <a:rPr lang="en-US" dirty="0"/>
+              <a:t>of the check </a:t>
+            </a:r>
+            <a:r>
+              <a:rPr lang="en-US" dirty="0" smtClean="0"/>
+              <a:t>funds</a:t>
+            </a:r>
+          </a:p>
+          <a:p>
+            <a:pPr lvl="3"/>
+            <a:r>
+              <a:rPr lang="en-US" dirty="0">
+                <a:latin typeface="Consolas" panose="020B0609020204030204" pitchFamily="49" charset="0"/>
+              </a:rPr>
+              <a:t>amount</a:t>
+            </a:r>
+            <a:r>
+              <a:rPr lang="en-US" dirty="0"/>
+              <a:t> – amount of check</a:t>
+            </a:r>
+            <a:endParaRPr lang="en-US" dirty="0">
+              <a:latin typeface="Consolas" panose="020B0609020204030204" pitchFamily="49" charset="0"/>
+            </a:endParaRPr>
+          </a:p>
+          <a:p>
+            <a:pPr lvl="2"/>
+            <a:r>
+              <a:rPr lang="en-US" dirty="0" smtClean="0"/>
+              <a:t>creates and returns a new check with the supplied values</a:t>
+            </a:r>
+            <a:endParaRPr lang="en-US" dirty="0" smtClean="0"/>
+          </a:p>
+        </p:txBody>
+      </p:sp>
+    </p:spTree>
+    <p:extLst>
+      <p:ext uri="{BB962C8B-B14F-4D97-AF65-F5344CB8AC3E}">
+        <p14:creationId xmlns:p14="http://schemas.microsoft.com/office/powerpoint/2010/main" val="3626772349"/>
+      </p:ext>
+    </p:extLst>
+  </p:cSld>
+  <p:clrMapOvr>
+    <a:masterClrMapping/>
+  </p:clrMapOvr>
+  <p:timing>
+    <p:tnLst>
+      <p:par>
+        <p:cTn id="1" dur="indefinite" restart="never" nodeType="tmRoot"/>
+      </p:par>
+    </p:tnLst>
+  </p:timing>
+</p:sld>
+</file>
+
+<file path=ppt/slides/slide8.xml><?xml version="1.0" encoding="utf-8"?>
 <p:sld xmlns:a="http://schemas.openxmlformats.org/drawingml/2006/main" xmlns:r="http://schemas.openxmlformats.org/officeDocument/2006/relationships" xmlns:p="http://schemas.openxmlformats.org/presentationml/2006/main">
   <p:cSld>
     <p:spTree>

--- a/assets/slides/classes/slides.pptx
+++ b/assets/slides/classes/slides.pptx
@@ -5,7 +5,7 @@
     <p:sldMasterId id="2147483720" r:id="rId1"/>
   </p:sldMasterIdLst>
   <p:notesMasterIdLst>
-    <p:notesMasterId r:id="rId10"/>
+    <p:notesMasterId r:id="rId12"/>
   </p:notesMasterIdLst>
   <p:sldIdLst>
     <p:sldId id="260" r:id="rId2"/>
@@ -16,6 +16,8 @@
     <p:sldId id="307" r:id="rId7"/>
     <p:sldId id="308" r:id="rId8"/>
     <p:sldId id="303" r:id="rId9"/>
+    <p:sldId id="310" r:id="rId10"/>
+    <p:sldId id="311" r:id="rId11"/>
   </p:sldIdLst>
   <p:sldSz cx="9144000" cy="6858000" type="screen4x3"/>
   <p:notesSz cx="6858000" cy="9144000"/>
@@ -127,6 +129,8 @@
             <p14:sldId id="307"/>
             <p14:sldId id="308"/>
             <p14:sldId id="303"/>
+            <p14:sldId id="310"/>
+            <p14:sldId id="311"/>
           </p14:sldIdLst>
         </p14:section>
       </p14:sectionLst>
@@ -231,7 +235,7 @@
           <a:p>
             <a:fld id="{D229E745-C966-47D4-9699-14D7414E4378}" type="datetimeFigureOut">
               <a:rPr lang="en-US" smtClean="0"/>
-              <a:t>2/2/2018</a:t>
+              <a:t>2/12/18</a:t>
             </a:fld>
             <a:endParaRPr lang="en-US"/>
           </a:p>
@@ -582,6 +586,90 @@
 </p:notes>
 </file>
 
+<file path=ppt/notesSlides/notesSlide10.xml><?xml version="1.0" encoding="utf-8"?>
+<p:notes xmlns:a="http://schemas.openxmlformats.org/drawingml/2006/main" xmlns:r="http://schemas.openxmlformats.org/officeDocument/2006/relationships" xmlns:p="http://schemas.openxmlformats.org/presentationml/2006/main">
+  <p:cSld>
+    <p:spTree>
+      <p:nvGrpSpPr>
+        <p:cNvPr id="1" name=""/>
+        <p:cNvGrpSpPr/>
+        <p:nvPr/>
+      </p:nvGrpSpPr>
+      <p:grpSpPr>
+        <a:xfrm>
+          <a:off x="0" y="0"/>
+          <a:ext cx="0" cy="0"/>
+          <a:chOff x="0" y="0"/>
+          <a:chExt cx="0" cy="0"/>
+        </a:xfrm>
+      </p:grpSpPr>
+      <p:sp>
+        <p:nvSpPr>
+          <p:cNvPr id="2" name="Slide Image Placeholder 1"/>
+          <p:cNvSpPr>
+            <a:spLocks noGrp="1" noRot="1" noChangeAspect="1"/>
+          </p:cNvSpPr>
+          <p:nvPr>
+            <p:ph type="sldImg"/>
+          </p:nvPr>
+        </p:nvSpPr>
+        <p:spPr/>
+      </p:sp>
+      <p:sp>
+        <p:nvSpPr>
+          <p:cNvPr id="3" name="Notes Placeholder 2"/>
+          <p:cNvSpPr>
+            <a:spLocks noGrp="1"/>
+          </p:cNvSpPr>
+          <p:nvPr>
+            <p:ph type="body" idx="1"/>
+          </p:nvPr>
+        </p:nvSpPr>
+        <p:spPr/>
+        <p:txBody>
+          <a:bodyPr/>
+          <a:lstStyle/>
+          <a:p>
+            <a:endParaRPr lang="en-US" baseline="0" dirty="0"/>
+          </a:p>
+        </p:txBody>
+      </p:sp>
+      <p:sp>
+        <p:nvSpPr>
+          <p:cNvPr id="4" name="Slide Number Placeholder 3"/>
+          <p:cNvSpPr>
+            <a:spLocks noGrp="1"/>
+          </p:cNvSpPr>
+          <p:nvPr>
+            <p:ph type="sldNum" sz="quarter" idx="10"/>
+          </p:nvPr>
+        </p:nvSpPr>
+        <p:spPr/>
+        <p:txBody>
+          <a:bodyPr/>
+          <a:lstStyle/>
+          <a:p>
+            <a:fld id="{A86375C9-F819-400D-83A5-4F4663C2F038}" type="slidenum">
+              <a:rPr lang="en-US" smtClean="0"/>
+              <a:t>10</a:t>
+            </a:fld>
+            <a:endParaRPr lang="en-US"/>
+          </a:p>
+        </p:txBody>
+      </p:sp>
+    </p:spTree>
+    <p:extLst>
+      <p:ext uri="{BB962C8B-B14F-4D97-AF65-F5344CB8AC3E}">
+        <p14:creationId xmlns:p14="http://schemas.microsoft.com/office/powerpoint/2010/main" val="3266381649"/>
+      </p:ext>
+    </p:extLst>
+  </p:cSld>
+  <p:clrMapOvr>
+    <a:masterClrMapping/>
+  </p:clrMapOvr>
+</p:notes>
+</file>
+
 <file path=ppt/notesSlides/notesSlide2.xml><?xml version="1.0" encoding="utf-8"?>
 <p:notes xmlns:a="http://schemas.openxmlformats.org/drawingml/2006/main" xmlns:r="http://schemas.openxmlformats.org/officeDocument/2006/relationships" xmlns:p="http://schemas.openxmlformats.org/presentationml/2006/main">
   <p:cSld>
@@ -626,7 +714,7 @@
           <a:bodyPr/>
           <a:lstStyle/>
           <a:p>
-            <a:endParaRPr lang="en-US" i="0" u="none" baseline="0" dirty="0" smtClean="0"/>
+            <a:endParaRPr lang="en-US" i="0" u="none" baseline="0" dirty="0"/>
           </a:p>
         </p:txBody>
       </p:sp>
@@ -710,7 +798,7 @@
           <a:bodyPr/>
           <a:lstStyle/>
           <a:p>
-            <a:endParaRPr lang="en-US" baseline="0" dirty="0" smtClean="0"/>
+            <a:endParaRPr lang="en-US" baseline="0" dirty="0"/>
           </a:p>
         </p:txBody>
       </p:sp>
@@ -794,7 +882,7 @@
           <a:bodyPr/>
           <a:lstStyle/>
           <a:p>
-            <a:endParaRPr lang="en-US" i="0" u="none" baseline="0" dirty="0" smtClean="0"/>
+            <a:endParaRPr lang="en-US" i="0" u="none" baseline="0" dirty="0"/>
           </a:p>
         </p:txBody>
       </p:sp>
@@ -878,7 +966,7 @@
           <a:bodyPr/>
           <a:lstStyle/>
           <a:p>
-            <a:endParaRPr lang="en-US" i="0" u="none" baseline="0" dirty="0" smtClean="0"/>
+            <a:endParaRPr lang="en-US" i="0" u="none" baseline="0" dirty="0"/>
           </a:p>
         </p:txBody>
       </p:sp>
@@ -962,7 +1050,7 @@
           <a:bodyPr/>
           <a:lstStyle/>
           <a:p>
-            <a:endParaRPr lang="en-US" baseline="0" dirty="0" smtClean="0"/>
+            <a:endParaRPr lang="en-US" baseline="0" dirty="0"/>
           </a:p>
         </p:txBody>
       </p:sp>
@@ -1046,7 +1134,7 @@
           <a:bodyPr/>
           <a:lstStyle/>
           <a:p>
-            <a:endParaRPr lang="en-US" baseline="0" dirty="0" smtClean="0"/>
+            <a:endParaRPr lang="en-US" baseline="0" dirty="0"/>
           </a:p>
         </p:txBody>
       </p:sp>
@@ -1130,7 +1218,7 @@
           <a:bodyPr/>
           <a:lstStyle/>
           <a:p>
-            <a:endParaRPr lang="en-US" baseline="0" dirty="0" smtClean="0"/>
+            <a:endParaRPr lang="en-US" baseline="0" dirty="0"/>
           </a:p>
         </p:txBody>
       </p:sp>
@@ -1161,6 +1249,90 @@
     <p:extLst>
       <p:ext uri="{BB962C8B-B14F-4D97-AF65-F5344CB8AC3E}">
         <p14:creationId xmlns:p14="http://schemas.microsoft.com/office/powerpoint/2010/main" val="741856052"/>
+      </p:ext>
+    </p:extLst>
+  </p:cSld>
+  <p:clrMapOvr>
+    <a:masterClrMapping/>
+  </p:clrMapOvr>
+</p:notes>
+</file>
+
+<file path=ppt/notesSlides/notesSlide9.xml><?xml version="1.0" encoding="utf-8"?>
+<p:notes xmlns:a="http://schemas.openxmlformats.org/drawingml/2006/main" xmlns:r="http://schemas.openxmlformats.org/officeDocument/2006/relationships" xmlns:p="http://schemas.openxmlformats.org/presentationml/2006/main">
+  <p:cSld>
+    <p:spTree>
+      <p:nvGrpSpPr>
+        <p:cNvPr id="1" name=""/>
+        <p:cNvGrpSpPr/>
+        <p:nvPr/>
+      </p:nvGrpSpPr>
+      <p:grpSpPr>
+        <a:xfrm>
+          <a:off x="0" y="0"/>
+          <a:ext cx="0" cy="0"/>
+          <a:chOff x="0" y="0"/>
+          <a:chExt cx="0" cy="0"/>
+        </a:xfrm>
+      </p:grpSpPr>
+      <p:sp>
+        <p:nvSpPr>
+          <p:cNvPr id="2" name="Slide Image Placeholder 1"/>
+          <p:cNvSpPr>
+            <a:spLocks noGrp="1" noRot="1" noChangeAspect="1"/>
+          </p:cNvSpPr>
+          <p:nvPr>
+            <p:ph type="sldImg"/>
+          </p:nvPr>
+        </p:nvSpPr>
+        <p:spPr/>
+      </p:sp>
+      <p:sp>
+        <p:nvSpPr>
+          <p:cNvPr id="3" name="Notes Placeholder 2"/>
+          <p:cNvSpPr>
+            <a:spLocks noGrp="1"/>
+          </p:cNvSpPr>
+          <p:nvPr>
+            <p:ph type="body" idx="1"/>
+          </p:nvPr>
+        </p:nvSpPr>
+        <p:spPr/>
+        <p:txBody>
+          <a:bodyPr/>
+          <a:lstStyle/>
+          <a:p>
+            <a:endParaRPr lang="en-US" baseline="0" dirty="0"/>
+          </a:p>
+        </p:txBody>
+      </p:sp>
+      <p:sp>
+        <p:nvSpPr>
+          <p:cNvPr id="4" name="Slide Number Placeholder 3"/>
+          <p:cNvSpPr>
+            <a:spLocks noGrp="1"/>
+          </p:cNvSpPr>
+          <p:nvPr>
+            <p:ph type="sldNum" sz="quarter" idx="10"/>
+          </p:nvPr>
+        </p:nvSpPr>
+        <p:spPr/>
+        <p:txBody>
+          <a:bodyPr/>
+          <a:lstStyle/>
+          <a:p>
+            <a:fld id="{A86375C9-F819-400D-83A5-4F4663C2F038}" type="slidenum">
+              <a:rPr lang="en-US" smtClean="0"/>
+              <a:t>9</a:t>
+            </a:fld>
+            <a:endParaRPr lang="en-US"/>
+          </a:p>
+        </p:txBody>
+      </p:sp>
+    </p:spTree>
+    <p:extLst>
+      <p:ext uri="{BB962C8B-B14F-4D97-AF65-F5344CB8AC3E}">
+        <p14:creationId xmlns:p14="http://schemas.microsoft.com/office/powerpoint/2010/main" val="1834240918"/>
       </p:ext>
     </p:extLst>
   </p:cSld>
@@ -1302,7 +1474,7 @@
             <a:fld id="{A26177BE-2AC9-4FFF-A291-7105E34736A6}" type="datetimeFigureOut">
               <a:rPr lang="en-US" smtClean="0"/>
               <a:pPr/>
-              <a:t>2/2/2018</a:t>
+              <a:t>2/12/18</a:t>
             </a:fld>
             <a:endParaRPr lang="en-US"/>
           </a:p>
@@ -1474,7 +1646,7 @@
             <a:fld id="{A26177BE-2AC9-4FFF-A291-7105E34736A6}" type="datetimeFigureOut">
               <a:rPr lang="en-US" smtClean="0"/>
               <a:pPr/>
-              <a:t>2/2/2018</a:t>
+              <a:t>2/12/18</a:t>
             </a:fld>
             <a:endParaRPr lang="en-US"/>
           </a:p>
@@ -1656,7 +1828,7 @@
             <a:fld id="{A26177BE-2AC9-4FFF-A291-7105E34736A6}" type="datetimeFigureOut">
               <a:rPr lang="en-US" smtClean="0"/>
               <a:pPr/>
-              <a:t>2/2/2018</a:t>
+              <a:t>2/12/18</a:t>
             </a:fld>
             <a:endParaRPr lang="en-US"/>
           </a:p>
@@ -1828,7 +2000,7 @@
             <a:fld id="{A26177BE-2AC9-4FFF-A291-7105E34736A6}" type="datetimeFigureOut">
               <a:rPr lang="en-US" smtClean="0"/>
               <a:pPr/>
-              <a:t>2/2/2018</a:t>
+              <a:t>2/12/18</a:t>
             </a:fld>
             <a:endParaRPr lang="en-US"/>
           </a:p>
@@ -2074,7 +2246,7 @@
             <a:fld id="{A26177BE-2AC9-4FFF-A291-7105E34736A6}" type="datetimeFigureOut">
               <a:rPr lang="en-US" smtClean="0"/>
               <a:pPr/>
-              <a:t>2/2/2018</a:t>
+              <a:t>2/12/18</a:t>
             </a:fld>
             <a:endParaRPr lang="en-US"/>
           </a:p>
@@ -2308,7 +2480,7 @@
             <a:fld id="{A26177BE-2AC9-4FFF-A291-7105E34736A6}" type="datetimeFigureOut">
               <a:rPr lang="en-US" smtClean="0"/>
               <a:pPr/>
-              <a:t>2/2/2018</a:t>
+              <a:t>2/12/18</a:t>
             </a:fld>
             <a:endParaRPr lang="en-US"/>
           </a:p>
@@ -2677,7 +2849,7 @@
             <a:fld id="{A26177BE-2AC9-4FFF-A291-7105E34736A6}" type="datetimeFigureOut">
               <a:rPr lang="en-US" smtClean="0"/>
               <a:pPr/>
-              <a:t>2/2/2018</a:t>
+              <a:t>2/12/18</a:t>
             </a:fld>
             <a:endParaRPr lang="en-US"/>
           </a:p>
@@ -2797,7 +2969,7 @@
             <a:fld id="{A26177BE-2AC9-4FFF-A291-7105E34736A6}" type="datetimeFigureOut">
               <a:rPr lang="en-US" smtClean="0"/>
               <a:pPr/>
-              <a:t>2/2/2018</a:t>
+              <a:t>2/12/18</a:t>
             </a:fld>
             <a:endParaRPr lang="en-US"/>
           </a:p>
@@ -2894,7 +3066,7 @@
             <a:fld id="{A26177BE-2AC9-4FFF-A291-7105E34736A6}" type="datetimeFigureOut">
               <a:rPr lang="en-US" smtClean="0"/>
               <a:pPr/>
-              <a:t>2/2/2018</a:t>
+              <a:t>2/12/18</a:t>
             </a:fld>
             <a:endParaRPr lang="en-US"/>
           </a:p>
@@ -3173,7 +3345,7 @@
             <a:fld id="{A26177BE-2AC9-4FFF-A291-7105E34736A6}" type="datetimeFigureOut">
               <a:rPr lang="en-US" smtClean="0"/>
               <a:pPr/>
-              <a:t>2/2/2018</a:t>
+              <a:t>2/12/18</a:t>
             </a:fld>
             <a:endParaRPr lang="en-US"/>
           </a:p>
@@ -3432,7 +3604,7 @@
             <a:fld id="{A26177BE-2AC9-4FFF-A291-7105E34736A6}" type="datetimeFigureOut">
               <a:rPr lang="en-US" smtClean="0"/>
               <a:pPr/>
-              <a:t>2/2/2018</a:t>
+              <a:t>2/12/18</a:t>
             </a:fld>
             <a:endParaRPr lang="en-US"/>
           </a:p>
@@ -3647,7 +3819,7 @@
             <a:fld id="{A26177BE-2AC9-4FFF-A291-7105E34736A6}" type="datetimeFigureOut">
               <a:rPr lang="en-US" smtClean="0"/>
               <a:pPr/>
-              <a:t>2/2/2018</a:t>
+              <a:t>2/12/18</a:t>
             </a:fld>
             <a:endParaRPr lang="en-US"/>
           </a:p>
@@ -4077,10 +4249,9 @@
           <a:p>
             <a:pPr algn="l"/>
             <a:r>
-              <a:rPr lang="en-US" dirty="0" smtClean="0"/>
+              <a:rPr lang="en-US" dirty="0"/>
               <a:t>Java: banking program</a:t>
             </a:r>
-            <a:endParaRPr lang="en-US" dirty="0"/>
           </a:p>
         </p:txBody>
       </p:sp>
@@ -4116,13 +4287,147 @@
   <p:clrMapOvr>
     <a:masterClrMapping/>
   </p:clrMapOvr>
-  <p:timing>
-    <p:tnLst>
-      <p:par>
-        <p:cTn id="1" dur="indefinite" restart="never" nodeType="tmRoot"/>
-      </p:par>
-    </p:tnLst>
-  </p:timing>
+</p:sld>
+</file>
+
+<file path=ppt/slides/slide10.xml><?xml version="1.0" encoding="utf-8"?>
+<p:sld xmlns:a="http://schemas.openxmlformats.org/drawingml/2006/main" xmlns:r="http://schemas.openxmlformats.org/officeDocument/2006/relationships" xmlns:p="http://schemas.openxmlformats.org/presentationml/2006/main">
+  <p:cSld>
+    <p:spTree>
+      <p:nvGrpSpPr>
+        <p:cNvPr id="1" name=""/>
+        <p:cNvGrpSpPr/>
+        <p:nvPr/>
+      </p:nvGrpSpPr>
+      <p:grpSpPr>
+        <a:xfrm>
+          <a:off x="0" y="0"/>
+          <a:ext cx="0" cy="0"/>
+          <a:chOff x="0" y="0"/>
+          <a:chExt cx="0" cy="0"/>
+        </a:xfrm>
+      </p:grpSpPr>
+      <p:sp>
+        <p:nvSpPr>
+          <p:cNvPr id="2" name="Title 1"/>
+          <p:cNvSpPr>
+            <a:spLocks noGrp="1"/>
+          </p:cNvSpPr>
+          <p:nvPr>
+            <p:ph type="title"/>
+          </p:nvPr>
+        </p:nvSpPr>
+        <p:spPr/>
+        <p:txBody>
+          <a:bodyPr/>
+          <a:lstStyle/>
+          <a:p>
+            <a:r>
+              <a:rPr lang="en-US" dirty="0"/>
+              <a:t>Practice</a:t>
+            </a:r>
+          </a:p>
+        </p:txBody>
+      </p:sp>
+      <p:sp>
+        <p:nvSpPr>
+          <p:cNvPr id="3" name="Content Placeholder 2"/>
+          <p:cNvSpPr>
+            <a:spLocks noGrp="1"/>
+          </p:cNvSpPr>
+          <p:nvPr>
+            <p:ph idx="1"/>
+          </p:nvPr>
+        </p:nvSpPr>
+        <p:spPr/>
+        <p:txBody>
+          <a:bodyPr>
+            <a:normAutofit/>
+          </a:bodyPr>
+          <a:lstStyle/>
+          <a:p>
+            <a:r>
+              <a:rPr lang="en-US" dirty="0"/>
+              <a:t>Create an additional instance method in </a:t>
+            </a:r>
+            <a:r>
+              <a:rPr lang="en-US" dirty="0">
+                <a:latin typeface="Consolas" panose="020B0609020204030204" pitchFamily="49" charset="0"/>
+              </a:rPr>
+              <a:t>Money</a:t>
+            </a:r>
+          </a:p>
+          <a:p>
+            <a:pPr lvl="1"/>
+            <a:r>
+              <a:rPr lang="en-US" dirty="0">
+                <a:latin typeface="Consolas" panose="020B0609020204030204" pitchFamily="49" charset="0"/>
+              </a:rPr>
+              <a:t>add</a:t>
+            </a:r>
+          </a:p>
+          <a:p>
+            <a:pPr lvl="2"/>
+            <a:r>
+              <a:rPr lang="en-US" dirty="0"/>
+              <a:t>takes one parameter</a:t>
+            </a:r>
+            <a:endParaRPr lang="en-US" dirty="0">
+              <a:latin typeface="Consolas" panose="020B0609020204030204" pitchFamily="49" charset="0"/>
+            </a:endParaRPr>
+          </a:p>
+          <a:p>
+            <a:pPr lvl="3"/>
+            <a:r>
+              <a:rPr lang="en-US" dirty="0">
+                <a:latin typeface="Consolas" panose="020B0609020204030204" pitchFamily="49" charset="0"/>
+              </a:rPr>
+              <a:t>other</a:t>
+            </a:r>
+            <a:r>
+              <a:rPr lang="en-US" dirty="0"/>
+              <a:t> – another Money object</a:t>
+            </a:r>
+          </a:p>
+          <a:p>
+            <a:pPr lvl="2"/>
+            <a:r>
+              <a:rPr lang="en-US" dirty="0"/>
+              <a:t>Adds the parameter to the object (changing its state) on which the method was called.</a:t>
+            </a:r>
+          </a:p>
+          <a:p>
+            <a:pPr lvl="3"/>
+            <a:r>
+              <a:rPr lang="en-US" dirty="0"/>
+              <a:t>If the total number of cents is greater </a:t>
+            </a:r>
+            <a:r>
+              <a:rPr lang="en-US"/>
+              <a:t>than or equal to 100</a:t>
+            </a:r>
+            <a:r>
+              <a:rPr lang="en-US" dirty="0"/>
+              <a:t>, increment the total number of dollars by one and decrement the total number </a:t>
+            </a:r>
+            <a:r>
+              <a:rPr lang="en-US"/>
+              <a:t>of cents by 100.</a:t>
+            </a:r>
+            <a:endParaRPr lang="en-US" dirty="0"/>
+          </a:p>
+        </p:txBody>
+      </p:sp>
+    </p:spTree>
+    <p:extLst>
+      <p:ext uri="{BB962C8B-B14F-4D97-AF65-F5344CB8AC3E}">
+        <p14:creationId xmlns:p14="http://schemas.microsoft.com/office/powerpoint/2010/main" val="2764146665"/>
+      </p:ext>
+    </p:extLst>
+  </p:cSld>
+  <p:clrMapOvr>
+    <a:masterClrMapping/>
+  </p:clrMapOvr>
 </p:sld>
 </file>
 
@@ -4213,7 +4518,7 @@
           <a:p>
             <a:pPr algn="ctr"/>
             <a:r>
-              <a:rPr lang="en-US" sz="2800" dirty="0" smtClean="0">
+              <a:rPr lang="en-US" sz="2800" dirty="0">
                 <a:latin typeface="Consolas" panose="020B0609020204030204" pitchFamily="49" charset="0"/>
               </a:rPr>
               <a:t>deposit</a:t>
@@ -4222,7 +4527,7 @@
           <a:p>
             <a:pPr algn="ctr"/>
             <a:r>
-              <a:rPr lang="en-US" sz="2800" dirty="0" smtClean="0">
+              <a:rPr lang="en-US" sz="2800" dirty="0">
                 <a:latin typeface="Consolas" panose="020B0609020204030204" pitchFamily="49" charset="0"/>
               </a:rPr>
               <a:t>withdraw</a:t>
@@ -4231,7 +4536,7 @@
           <a:p>
             <a:pPr algn="ctr"/>
             <a:r>
-              <a:rPr lang="en-US" sz="2800" dirty="0" err="1" smtClean="0">
+              <a:rPr lang="en-US" sz="2800" dirty="0" err="1">
                 <a:latin typeface="Consolas" panose="020B0609020204030204" pitchFamily="49" charset="0"/>
               </a:rPr>
               <a:t>getBalance</a:t>
@@ -4266,10 +4571,9 @@
           <a:p>
             <a:pPr algn="ctr"/>
             <a:r>
-              <a:rPr lang="en-US" dirty="0" smtClean="0"/>
+              <a:rPr lang="en-US" dirty="0"/>
               <a:t>FRONT</a:t>
             </a:r>
-            <a:endParaRPr lang="en-US" dirty="0"/>
           </a:p>
         </p:txBody>
       </p:sp>
@@ -4343,19 +4647,19 @@
           <a:p>
             <a:pPr algn="ctr"/>
             <a:r>
-              <a:rPr lang="en-US" sz="2800" u="sng" dirty="0" smtClean="0">
+              <a:rPr lang="en-US" sz="2800" u="sng" dirty="0">
                 <a:latin typeface="Consolas" panose="020B0609020204030204" pitchFamily="49" charset="0"/>
               </a:rPr>
               <a:t>balance</a:t>
             </a:r>
-            <a:endParaRPr lang="en-US" sz="2800" dirty="0" smtClean="0">
+            <a:endParaRPr lang="en-US" sz="2800" dirty="0">
               <a:latin typeface="Consolas" panose="020B0609020204030204" pitchFamily="49" charset="0"/>
             </a:endParaRPr>
           </a:p>
           <a:p>
             <a:pPr algn="ctr"/>
             <a:r>
-              <a:rPr lang="en-US" sz="2800" dirty="0" smtClean="0">
+              <a:rPr lang="en-US" sz="2800" dirty="0">
                 <a:latin typeface="Consolas" panose="020B0609020204030204" pitchFamily="49" charset="0"/>
               </a:rPr>
               <a:t>0.0</a:t>
@@ -4364,7 +4668,7 @@
           <a:p>
             <a:pPr algn="ctr"/>
             <a:r>
-              <a:rPr lang="en-US" sz="2800" dirty="0" smtClean="0">
+              <a:rPr lang="en-US" sz="2800" dirty="0">
                 <a:latin typeface="Consolas" panose="020B0609020204030204" pitchFamily="49" charset="0"/>
               </a:rPr>
               <a:t>100.0</a:t>
@@ -4373,14 +4677,11 @@
           <a:p>
             <a:pPr algn="ctr"/>
             <a:r>
-              <a:rPr lang="en-US" sz="2800" dirty="0" smtClean="0">
+              <a:rPr lang="en-US" sz="2800" dirty="0">
                 <a:latin typeface="Consolas" panose="020B0609020204030204" pitchFamily="49" charset="0"/>
               </a:rPr>
               <a:t>80.0</a:t>
             </a:r>
-            <a:endParaRPr lang="en-US" sz="2800" dirty="0">
-              <a:latin typeface="Consolas" panose="020B0609020204030204" pitchFamily="49" charset="0"/>
-            </a:endParaRPr>
           </a:p>
         </p:txBody>
       </p:sp>
@@ -4408,10 +4709,9 @@
           <a:p>
             <a:pPr algn="ctr"/>
             <a:r>
-              <a:rPr lang="en-US" dirty="0" smtClean="0"/>
+              <a:rPr lang="en-US" dirty="0"/>
               <a:t>BACK</a:t>
             </a:r>
-            <a:endParaRPr lang="en-US" dirty="0"/>
           </a:p>
         </p:txBody>
       </p:sp>
@@ -4713,10 +5013,9 @@
           <a:lstStyle/>
           <a:p>
             <a:r>
-              <a:rPr lang="en-US" dirty="0" smtClean="0"/>
+              <a:rPr lang="en-US" dirty="0"/>
               <a:t>Practice</a:t>
             </a:r>
-            <a:endParaRPr lang="en-US" dirty="0"/>
           </a:p>
         </p:txBody>
       </p:sp>
@@ -4738,106 +5037,89 @@
           <a:lstStyle/>
           <a:p>
             <a:r>
-              <a:rPr lang="en-US" dirty="0" smtClean="0"/>
+              <a:rPr lang="en-US" dirty="0"/>
               <a:t>Create an additional class </a:t>
             </a:r>
             <a:r>
-              <a:rPr lang="en-US" dirty="0" err="1" smtClean="0">
+              <a:rPr lang="en-US" dirty="0" err="1">
                 <a:latin typeface="Consolas" panose="020B0609020204030204" pitchFamily="49" charset="0"/>
               </a:rPr>
               <a:t>BankMember</a:t>
             </a:r>
-            <a:endParaRPr lang="en-US" dirty="0" smtClean="0">
+            <a:endParaRPr lang="en-US" dirty="0">
               <a:latin typeface="Consolas" panose="020B0609020204030204" pitchFamily="49" charset="0"/>
             </a:endParaRPr>
           </a:p>
           <a:p>
             <a:pPr lvl="1"/>
             <a:r>
-              <a:rPr lang="en-US" dirty="0" smtClean="0"/>
+              <a:rPr lang="en-US" dirty="0"/>
               <a:t>Two instance variables</a:t>
             </a:r>
           </a:p>
           <a:p>
             <a:pPr lvl="2"/>
             <a:r>
-              <a:rPr lang="en-US" dirty="0" smtClean="0">
+              <a:rPr lang="en-US" dirty="0">
                 <a:latin typeface="Consolas" panose="020B0609020204030204" pitchFamily="49" charset="0"/>
               </a:rPr>
               <a:t>name</a:t>
             </a:r>
             <a:r>
-              <a:rPr lang="en-US" dirty="0" smtClean="0"/>
+              <a:rPr lang="en-US" dirty="0"/>
               <a:t> – member’s name</a:t>
             </a:r>
-            <a:endParaRPr lang="en-US" dirty="0" smtClean="0">
+            <a:endParaRPr lang="en-US" dirty="0">
               <a:latin typeface="Consolas" panose="020B0609020204030204" pitchFamily="49" charset="0"/>
             </a:endParaRPr>
           </a:p>
           <a:p>
             <a:pPr lvl="2"/>
             <a:r>
-              <a:rPr lang="en-US" dirty="0" smtClean="0">
+              <a:rPr lang="en-US" dirty="0">
                 <a:latin typeface="Consolas" panose="020B0609020204030204" pitchFamily="49" charset="0"/>
               </a:rPr>
               <a:t>account</a:t>
             </a:r>
             <a:r>
-              <a:rPr lang="en-US" dirty="0" smtClean="0"/>
+              <a:rPr lang="en-US" dirty="0"/>
               <a:t> – member’s bank account</a:t>
             </a:r>
           </a:p>
           <a:p>
             <a:pPr lvl="1"/>
             <a:r>
-              <a:rPr lang="en-US" dirty="0" smtClean="0"/>
+              <a:rPr lang="en-US" dirty="0"/>
               <a:t>First constructor</a:t>
             </a:r>
           </a:p>
           <a:p>
             <a:pPr lvl="2"/>
             <a:r>
-              <a:rPr lang="en-US" dirty="0" smtClean="0"/>
+              <a:rPr lang="en-US" dirty="0"/>
               <a:t>takes a single parameter – member’s name</a:t>
             </a:r>
           </a:p>
           <a:p>
             <a:pPr lvl="2"/>
             <a:r>
-              <a:rPr lang="en-US" dirty="0" smtClean="0"/>
+              <a:rPr lang="en-US" dirty="0"/>
               <a:t>creates a new bank account for the member with initial balance of zero</a:t>
             </a:r>
           </a:p>
           <a:p>
             <a:pPr lvl="1"/>
             <a:r>
-              <a:rPr lang="en-US" dirty="0" smtClean="0"/>
-              <a:t>Second </a:t>
-            </a:r>
-            <a:r>
               <a:rPr lang="en-US" dirty="0"/>
-              <a:t>constructor</a:t>
+              <a:t>Second constructor</a:t>
             </a:r>
           </a:p>
           <a:p>
             <a:pPr lvl="2"/>
             <a:r>
               <a:rPr lang="en-US" dirty="0"/>
-              <a:t>takes a </a:t>
-            </a:r>
-            <a:r>
-              <a:rPr lang="en-US" dirty="0" smtClean="0"/>
-              <a:t>two parameters </a:t>
-            </a:r>
-            <a:r>
-              <a:rPr lang="en-US" dirty="0"/>
-              <a:t>– member’s </a:t>
-            </a:r>
-            <a:r>
-              <a:rPr lang="en-US" dirty="0" smtClean="0"/>
-              <a:t>name and initial balance</a:t>
-            </a:r>
-            <a:endParaRPr lang="en-US" dirty="0"/>
+              <a:t>takes a two parameters – member’s name and initial balance</a:t>
+            </a:r>
           </a:p>
           <a:p>
             <a:pPr lvl="2"/>
@@ -4845,42 +5127,37 @@
               <a:rPr lang="en-US" dirty="0"/>
               <a:t>creates a new bank account for the member with initial balance </a:t>
             </a:r>
-            <a:endParaRPr lang="en-US" dirty="0" smtClean="0"/>
           </a:p>
           <a:p>
             <a:pPr lvl="1"/>
             <a:r>
-              <a:rPr lang="en-US" dirty="0" smtClean="0"/>
+              <a:rPr lang="en-US" dirty="0"/>
               <a:t>Following instance methods</a:t>
             </a:r>
           </a:p>
           <a:p>
             <a:pPr lvl="2"/>
             <a:r>
-              <a:rPr lang="en-US" dirty="0" err="1" smtClean="0">
+              <a:rPr lang="en-US" dirty="0" err="1">
                 <a:latin typeface="Consolas" panose="020B0609020204030204" pitchFamily="49" charset="0"/>
               </a:rPr>
               <a:t>getName</a:t>
             </a:r>
             <a:r>
               <a:rPr lang="en-US" dirty="0"/>
-              <a:t> </a:t>
-            </a:r>
-            <a:r>
-              <a:rPr lang="en-US" dirty="0" smtClean="0"/>
-              <a:t>– returns member’s name</a:t>
+              <a:t> – returns member’s name</a:t>
             </a:r>
           </a:p>
           <a:p>
             <a:pPr lvl="2"/>
             <a:r>
-              <a:rPr lang="en-US" dirty="0" err="1" smtClean="0">
+              <a:rPr lang="en-US" dirty="0" err="1">
                 <a:latin typeface="Consolas" panose="020B0609020204030204" pitchFamily="49" charset="0"/>
               </a:rPr>
               <a:t>getAccount</a:t>
             </a:r>
             <a:r>
-              <a:rPr lang="en-US" dirty="0" smtClean="0"/>
+              <a:rPr lang="en-US" dirty="0"/>
               <a:t> – returns member’s bank account</a:t>
             </a:r>
           </a:p>
@@ -4896,13 +5173,6 @@
   <p:clrMapOvr>
     <a:masterClrMapping/>
   </p:clrMapOvr>
-  <p:timing>
-    <p:tnLst>
-      <p:par>
-        <p:cTn id="1" dur="indefinite" restart="never" nodeType="tmRoot"/>
-      </p:par>
-    </p:tnLst>
-  </p:timing>
 </p:sld>
 </file>
 
@@ -4993,24 +5263,24 @@
           <a:p>
             <a:pPr algn="ctr"/>
             <a:r>
-              <a:rPr lang="en-US" sz="2800" dirty="0" err="1" smtClean="0">
+              <a:rPr lang="en-US" sz="2800" dirty="0" err="1">
                 <a:latin typeface="Consolas" panose="020B0609020204030204" pitchFamily="49" charset="0"/>
               </a:rPr>
               <a:t>getName</a:t>
             </a:r>
-            <a:endParaRPr lang="en-US" sz="2800" dirty="0" smtClean="0">
+            <a:endParaRPr lang="en-US" sz="2800" dirty="0">
               <a:latin typeface="Consolas" panose="020B0609020204030204" pitchFamily="49" charset="0"/>
             </a:endParaRPr>
           </a:p>
           <a:p>
             <a:pPr algn="ctr"/>
             <a:r>
-              <a:rPr lang="en-US" sz="2800" dirty="0" err="1" smtClean="0">
+              <a:rPr lang="en-US" sz="2800" dirty="0" err="1">
                 <a:latin typeface="Consolas" panose="020B0609020204030204" pitchFamily="49" charset="0"/>
               </a:rPr>
               <a:t>getAccount</a:t>
             </a:r>
-            <a:endParaRPr lang="en-US" sz="2800" dirty="0" smtClean="0">
+            <a:endParaRPr lang="en-US" sz="2800" dirty="0">
               <a:latin typeface="Consolas" panose="020B0609020204030204" pitchFamily="49" charset="0"/>
             </a:endParaRPr>
           </a:p>
@@ -5040,10 +5310,9 @@
           <a:p>
             <a:pPr algn="ctr"/>
             <a:r>
-              <a:rPr lang="en-US" dirty="0" smtClean="0"/>
+              <a:rPr lang="en-US" dirty="0"/>
               <a:t>FRONT</a:t>
             </a:r>
-            <a:endParaRPr lang="en-US" dirty="0"/>
           </a:p>
         </p:txBody>
       </p:sp>
@@ -5117,31 +5386,31 @@
           <a:p>
             <a:pPr algn="ctr"/>
             <a:r>
-              <a:rPr lang="en-US" sz="2800" u="sng" dirty="0" smtClean="0">
+              <a:rPr lang="en-US" sz="2800" u="sng" dirty="0">
                 <a:latin typeface="Consolas" panose="020B0609020204030204" pitchFamily="49" charset="0"/>
               </a:rPr>
               <a:t>name</a:t>
             </a:r>
-            <a:endParaRPr lang="en-US" sz="2800" dirty="0" smtClean="0">
+            <a:endParaRPr lang="en-US" sz="2800" dirty="0">
               <a:latin typeface="Consolas" panose="020B0609020204030204" pitchFamily="49" charset="0"/>
             </a:endParaRPr>
           </a:p>
           <a:p>
             <a:pPr algn="ctr"/>
             <a:r>
-              <a:rPr lang="en-US" sz="2800" dirty="0" smtClean="0">
+              <a:rPr lang="en-US" sz="2800" dirty="0">
                 <a:latin typeface="Consolas" panose="020B0609020204030204" pitchFamily="49" charset="0"/>
               </a:rPr>
               <a:t>“</a:t>
             </a:r>
             <a:r>
-              <a:rPr lang="en-US" sz="2800" dirty="0" err="1" smtClean="0">
+              <a:rPr lang="en-US" sz="2800" dirty="0" err="1">
                 <a:latin typeface="Consolas" panose="020B0609020204030204" pitchFamily="49" charset="0"/>
               </a:rPr>
               <a:t>jeremy</a:t>
             </a:r>
             <a:r>
-              <a:rPr lang="en-US" sz="2800" dirty="0" smtClean="0">
+              <a:rPr lang="en-US" sz="2800" dirty="0">
                 <a:latin typeface="Consolas" panose="020B0609020204030204" pitchFamily="49" charset="0"/>
               </a:rPr>
               <a:t>”</a:t>
@@ -5173,10 +5442,9 @@
           <a:p>
             <a:pPr algn="ctr"/>
             <a:r>
-              <a:rPr lang="en-US" dirty="0" smtClean="0"/>
+              <a:rPr lang="en-US" dirty="0"/>
               <a:t>BACK</a:t>
             </a:r>
-            <a:endParaRPr lang="en-US" dirty="0"/>
           </a:p>
         </p:txBody>
       </p:sp>
@@ -5204,7 +5472,7 @@
           <a:p>
             <a:pPr algn="ctr"/>
             <a:r>
-              <a:rPr lang="en-US" sz="2800" u="sng" dirty="0" smtClean="0">
+              <a:rPr lang="en-US" sz="2800" u="sng" dirty="0">
                 <a:latin typeface="Consolas" panose="020B0609020204030204" pitchFamily="49" charset="0"/>
               </a:rPr>
               <a:t>account</a:t>
@@ -5213,20 +5481,20 @@
           <a:p>
             <a:pPr algn="ctr"/>
             <a:r>
-              <a:rPr lang="en-US" sz="2800" dirty="0" smtClean="0">
+              <a:rPr lang="en-US" sz="2800" dirty="0">
                 <a:latin typeface="Consolas" panose="020B0609020204030204" pitchFamily="49" charset="0"/>
                 <a:hlinkClick r:id="rId3" action="ppaction://hlinksldjump"/>
               </a:rPr>
               <a:t>see attached </a:t>
             </a:r>
             <a:r>
-              <a:rPr lang="en-US" sz="2800" dirty="0" err="1" smtClean="0">
+              <a:rPr lang="en-US" sz="2800" dirty="0" err="1">
                 <a:latin typeface="Consolas" panose="020B0609020204030204" pitchFamily="49" charset="0"/>
                 <a:hlinkClick r:id="rId3" action="ppaction://hlinksldjump"/>
               </a:rPr>
               <a:t>notcard</a:t>
             </a:r>
-            <a:endParaRPr lang="en-US" sz="2800" dirty="0" smtClean="0">
+            <a:endParaRPr lang="en-US" sz="2800" dirty="0">
               <a:latin typeface="Consolas" panose="020B0609020204030204" pitchFamily="49" charset="0"/>
             </a:endParaRPr>
           </a:p>
@@ -5242,13 +5510,6 @@
   <p:clrMapOvr>
     <a:masterClrMapping/>
   </p:clrMapOvr>
-  <p:timing>
-    <p:tnLst>
-      <p:par>
-        <p:cTn id="1" dur="indefinite" restart="never" nodeType="tmRoot"/>
-      </p:par>
-    </p:tnLst>
-  </p:timing>
 </p:sld>
 </file>
 
@@ -5339,7 +5600,7 @@
           <a:p>
             <a:pPr algn="ctr"/>
             <a:r>
-              <a:rPr lang="en-US" sz="2800" dirty="0" smtClean="0">
+              <a:rPr lang="en-US" sz="2800" dirty="0">
                 <a:latin typeface="Consolas" panose="020B0609020204030204" pitchFamily="49" charset="0"/>
               </a:rPr>
               <a:t>deposit</a:t>
@@ -5348,7 +5609,7 @@
           <a:p>
             <a:pPr algn="ctr"/>
             <a:r>
-              <a:rPr lang="en-US" sz="2800" dirty="0" smtClean="0">
+              <a:rPr lang="en-US" sz="2800" dirty="0">
                 <a:latin typeface="Consolas" panose="020B0609020204030204" pitchFamily="49" charset="0"/>
               </a:rPr>
               <a:t>withdraw</a:t>
@@ -5357,7 +5618,7 @@
           <a:p>
             <a:pPr algn="ctr"/>
             <a:r>
-              <a:rPr lang="en-US" sz="2800" dirty="0" err="1" smtClean="0">
+              <a:rPr lang="en-US" sz="2800" dirty="0" err="1">
                 <a:latin typeface="Consolas" panose="020B0609020204030204" pitchFamily="49" charset="0"/>
               </a:rPr>
               <a:t>getBalance</a:t>
@@ -5392,10 +5653,9 @@
           <a:p>
             <a:pPr algn="ctr"/>
             <a:r>
-              <a:rPr lang="en-US" dirty="0" smtClean="0"/>
+              <a:rPr lang="en-US" dirty="0"/>
               <a:t>FRONT</a:t>
             </a:r>
-            <a:endParaRPr lang="en-US" dirty="0"/>
           </a:p>
         </p:txBody>
       </p:sp>
@@ -5469,19 +5729,19 @@
           <a:p>
             <a:pPr algn="ctr"/>
             <a:r>
-              <a:rPr lang="en-US" sz="2800" u="sng" dirty="0" smtClean="0">
+              <a:rPr lang="en-US" sz="2800" u="sng" dirty="0">
                 <a:latin typeface="Consolas" panose="020B0609020204030204" pitchFamily="49" charset="0"/>
               </a:rPr>
               <a:t>balance</a:t>
             </a:r>
-            <a:endParaRPr lang="en-US" sz="2800" dirty="0" smtClean="0">
+            <a:endParaRPr lang="en-US" sz="2800" dirty="0">
               <a:latin typeface="Consolas" panose="020B0609020204030204" pitchFamily="49" charset="0"/>
             </a:endParaRPr>
           </a:p>
           <a:p>
             <a:pPr algn="ctr"/>
             <a:r>
-              <a:rPr lang="en-US" sz="2800" dirty="0" smtClean="0">
+              <a:rPr lang="en-US" sz="2800" dirty="0">
                 <a:latin typeface="Consolas" panose="020B0609020204030204" pitchFamily="49" charset="0"/>
               </a:rPr>
               <a:t>0.0</a:t>
@@ -5490,7 +5750,7 @@
           <a:p>
             <a:pPr algn="ctr"/>
             <a:r>
-              <a:rPr lang="en-US" sz="2800" dirty="0" smtClean="0">
+              <a:rPr lang="en-US" sz="2800" dirty="0">
                 <a:latin typeface="Consolas" panose="020B0609020204030204" pitchFamily="49" charset="0"/>
               </a:rPr>
               <a:t>100.0</a:t>
@@ -5499,14 +5759,11 @@
           <a:p>
             <a:pPr algn="ctr"/>
             <a:r>
-              <a:rPr lang="en-US" sz="2800" dirty="0" smtClean="0">
+              <a:rPr lang="en-US" sz="2800" dirty="0">
                 <a:latin typeface="Consolas" panose="020B0609020204030204" pitchFamily="49" charset="0"/>
               </a:rPr>
               <a:t>80.0</a:t>
             </a:r>
-            <a:endParaRPr lang="en-US" sz="2800" dirty="0">
-              <a:latin typeface="Consolas" panose="020B0609020204030204" pitchFamily="49" charset="0"/>
-            </a:endParaRPr>
           </a:p>
         </p:txBody>
       </p:sp>
@@ -5534,10 +5791,9 @@
           <a:p>
             <a:pPr algn="ctr"/>
             <a:r>
-              <a:rPr lang="en-US" dirty="0" smtClean="0"/>
+              <a:rPr lang="en-US" dirty="0"/>
               <a:t>BACK</a:t>
             </a:r>
-            <a:endParaRPr lang="en-US" dirty="0"/>
           </a:p>
         </p:txBody>
       </p:sp>
@@ -5839,10 +6095,9 @@
           <a:lstStyle/>
           <a:p>
             <a:r>
-              <a:rPr lang="en-US" dirty="0" smtClean="0"/>
+              <a:rPr lang="en-US" dirty="0"/>
               <a:t>Practice</a:t>
             </a:r>
-            <a:endParaRPr lang="en-US" dirty="0"/>
           </a:p>
         </p:txBody>
       </p:sp>
@@ -5864,215 +6119,127 @@
           <a:lstStyle/>
           <a:p>
             <a:r>
-              <a:rPr lang="en-US" dirty="0" smtClean="0"/>
+              <a:rPr lang="en-US" dirty="0"/>
               <a:t>Create an additional class </a:t>
             </a:r>
             <a:r>
-              <a:rPr lang="en-US" dirty="0" err="1" smtClean="0">
+              <a:rPr lang="en-US" dirty="0" err="1">
                 <a:latin typeface="Consolas" panose="020B0609020204030204" pitchFamily="49" charset="0"/>
               </a:rPr>
               <a:t>BankCheck</a:t>
             </a:r>
-            <a:endParaRPr lang="en-US" dirty="0" smtClean="0">
+            <a:endParaRPr lang="en-US" dirty="0">
               <a:latin typeface="Consolas" panose="020B0609020204030204" pitchFamily="49" charset="0"/>
             </a:endParaRPr>
           </a:p>
           <a:p>
             <a:pPr lvl="1"/>
             <a:r>
-              <a:rPr lang="en-US" dirty="0" smtClean="0"/>
-              <a:t>Three </a:t>
-            </a:r>
-            <a:r>
-              <a:rPr lang="en-US" dirty="0" smtClean="0"/>
-              <a:t>instance variables</a:t>
+              <a:rPr lang="en-US" dirty="0"/>
+              <a:t>Three instance variables</a:t>
             </a:r>
           </a:p>
           <a:p>
             <a:pPr lvl="2"/>
             <a:r>
-              <a:rPr lang="en-US" dirty="0" smtClean="0">
+              <a:rPr lang="en-US" dirty="0">
                 <a:latin typeface="Consolas" panose="020B0609020204030204" pitchFamily="49" charset="0"/>
               </a:rPr>
               <a:t>amount</a:t>
             </a:r>
             <a:r>
-              <a:rPr lang="en-US" dirty="0" smtClean="0"/>
-              <a:t> </a:t>
-            </a:r>
-            <a:r>
-              <a:rPr lang="en-US" dirty="0" smtClean="0"/>
-              <a:t>– </a:t>
-            </a:r>
-            <a:r>
-              <a:rPr lang="en-US" dirty="0" smtClean="0"/>
-              <a:t>amount of check</a:t>
-            </a:r>
-            <a:endParaRPr lang="en-US" dirty="0" smtClean="0">
+              <a:rPr lang="en-US" dirty="0"/>
+              <a:t> – amount of check</a:t>
+            </a:r>
+            <a:endParaRPr lang="en-US" dirty="0">
               <a:latin typeface="Consolas" panose="020B0609020204030204" pitchFamily="49" charset="0"/>
             </a:endParaRPr>
           </a:p>
           <a:p>
             <a:pPr lvl="2"/>
             <a:r>
-              <a:rPr lang="en-US" dirty="0" smtClean="0">
+              <a:rPr lang="en-US" dirty="0">
                 <a:latin typeface="Consolas" panose="020B0609020204030204" pitchFamily="49" charset="0"/>
               </a:rPr>
               <a:t>to</a:t>
             </a:r>
             <a:r>
-              <a:rPr lang="en-US" dirty="0" smtClean="0"/>
-              <a:t> </a:t>
-            </a:r>
-            <a:r>
-              <a:rPr lang="en-US" dirty="0" smtClean="0"/>
-              <a:t>– </a:t>
-            </a:r>
-            <a:r>
-              <a:rPr lang="en-US" dirty="0" smtClean="0"/>
-              <a:t>the recipient of the check funds</a:t>
+              <a:rPr lang="en-US" dirty="0"/>
+              <a:t> – the recipient of the check funds</a:t>
             </a:r>
           </a:p>
           <a:p>
             <a:pPr lvl="2"/>
             <a:r>
-              <a:rPr lang="en-US" dirty="0" smtClean="0">
+              <a:rPr lang="en-US" dirty="0">
                 <a:latin typeface="Consolas" panose="020B0609020204030204" pitchFamily="49" charset="0"/>
               </a:rPr>
               <a:t>from</a:t>
             </a:r>
             <a:r>
-              <a:rPr lang="en-US" dirty="0" smtClean="0"/>
-              <a:t> </a:t>
-            </a:r>
-            <a:r>
               <a:rPr lang="en-US" dirty="0"/>
-              <a:t>– the </a:t>
-            </a:r>
-            <a:r>
-              <a:rPr lang="en-US" dirty="0" smtClean="0"/>
-              <a:t>giver </a:t>
-            </a:r>
+              <a:t> – the giver of the check funds</a:t>
+            </a:r>
+          </a:p>
+          <a:p>
+            <a:pPr lvl="1"/>
             <a:r>
               <a:rPr lang="en-US" dirty="0"/>
-              <a:t>of the check </a:t>
-            </a:r>
-            <a:r>
-              <a:rPr lang="en-US" dirty="0" smtClean="0"/>
-              <a:t>funds</a:t>
-            </a:r>
-            <a:endParaRPr lang="en-US" dirty="0" smtClean="0"/>
+              <a:t>Only constructor</a:t>
+            </a:r>
+          </a:p>
+          <a:p>
+            <a:pPr lvl="2"/>
+            <a:r>
+              <a:rPr lang="en-US" dirty="0"/>
+              <a:t>takes a three parameters – to member, from member, and amount</a:t>
+            </a:r>
           </a:p>
           <a:p>
             <a:pPr lvl="1"/>
             <a:r>
-              <a:rPr lang="en-US" dirty="0" smtClean="0"/>
-              <a:t>Second </a:t>
-            </a:r>
-            <a:r>
               <a:rPr lang="en-US" dirty="0"/>
-              <a:t>constructor</a:t>
+              <a:t>Following instance methods</a:t>
             </a:r>
           </a:p>
           <a:p>
             <a:pPr lvl="2"/>
             <a:r>
-              <a:rPr lang="en-US" dirty="0"/>
-              <a:t>takes a </a:t>
-            </a:r>
-            <a:r>
-              <a:rPr lang="en-US" dirty="0" smtClean="0"/>
-              <a:t>three </a:t>
-            </a:r>
-            <a:r>
-              <a:rPr lang="en-US" dirty="0" smtClean="0"/>
-              <a:t>parameters </a:t>
-            </a:r>
-            <a:r>
-              <a:rPr lang="en-US" dirty="0"/>
-              <a:t>– </a:t>
-            </a:r>
-            <a:r>
-              <a:rPr lang="en-US" dirty="0" smtClean="0"/>
-              <a:t>to member, from member, and amount</a:t>
-            </a:r>
-            <a:endParaRPr lang="en-US" dirty="0"/>
-          </a:p>
-          <a:p>
-            <a:pPr lvl="1"/>
-            <a:r>
-              <a:rPr lang="en-US" dirty="0" smtClean="0"/>
-              <a:t>Following </a:t>
-            </a:r>
-            <a:r>
-              <a:rPr lang="en-US" dirty="0" smtClean="0"/>
-              <a:t>instance methods</a:t>
-            </a:r>
-          </a:p>
-          <a:p>
-            <a:pPr lvl="2"/>
-            <a:r>
-              <a:rPr lang="en-US" dirty="0" err="1" smtClean="0">
+              <a:rPr lang="en-US" dirty="0" err="1">
                 <a:latin typeface="Consolas" panose="020B0609020204030204" pitchFamily="49" charset="0"/>
               </a:rPr>
               <a:t>getToMember</a:t>
             </a:r>
             <a:r>
-              <a:rPr lang="en-US" dirty="0" smtClean="0"/>
-              <a:t> </a:t>
-            </a:r>
-            <a:r>
-              <a:rPr lang="en-US" dirty="0" smtClean="0"/>
-              <a:t>– returns </a:t>
-            </a:r>
-            <a:r>
-              <a:rPr lang="en-US" dirty="0" smtClean="0"/>
-              <a:t>recipient</a:t>
+              <a:rPr lang="en-US" dirty="0"/>
+              <a:t> – returns recipient</a:t>
             </a:r>
           </a:p>
           <a:p>
             <a:pPr lvl="2"/>
             <a:r>
-              <a:rPr lang="en-US" dirty="0" err="1" smtClean="0">
+              <a:rPr lang="en-US" dirty="0" err="1">
                 <a:latin typeface="Consolas" panose="020B0609020204030204" pitchFamily="49" charset="0"/>
               </a:rPr>
               <a:t>getFromMember</a:t>
             </a:r>
             <a:r>
-              <a:rPr lang="en-US" dirty="0" smtClean="0"/>
-              <a:t> </a:t>
-            </a:r>
-            <a:r>
               <a:rPr lang="en-US" dirty="0"/>
-              <a:t>– returns </a:t>
-            </a:r>
-            <a:r>
-              <a:rPr lang="en-US" dirty="0" smtClean="0"/>
-              <a:t>giver</a:t>
-            </a:r>
-            <a:endParaRPr lang="en-US" dirty="0" smtClean="0"/>
+              <a:t> – returns giver</a:t>
+            </a:r>
           </a:p>
           <a:p>
             <a:pPr lvl="2"/>
             <a:r>
-              <a:rPr lang="en-US" dirty="0" err="1" smtClean="0">
+              <a:rPr lang="en-US" dirty="0" err="1">
                 <a:latin typeface="Consolas" panose="020B0609020204030204" pitchFamily="49" charset="0"/>
               </a:rPr>
               <a:t>getAmount</a:t>
             </a:r>
             <a:r>
-              <a:rPr lang="en-US" dirty="0" smtClean="0"/>
-              <a:t> </a:t>
-            </a:r>
-            <a:r>
-              <a:rPr lang="en-US" dirty="0" smtClean="0"/>
-              <a:t>– returns </a:t>
-            </a:r>
-            <a:r>
-              <a:rPr lang="en-US" dirty="0" smtClean="0"/>
-              <a:t>check’s amount</a:t>
-            </a:r>
-            <a:endParaRPr lang="en-US" dirty="0" smtClean="0"/>
+              <a:rPr lang="en-US" dirty="0"/>
+              <a:t> – returns check’s amount</a:t>
+            </a:r>
           </a:p>
         </p:txBody>
       </p:sp>
@@ -6086,13 +6253,6 @@
   <p:clrMapOvr>
     <a:masterClrMapping/>
   </p:clrMapOvr>
-  <p:timing>
-    <p:tnLst>
-      <p:par>
-        <p:cTn id="1" dur="indefinite" restart="never" nodeType="tmRoot"/>
-      </p:par>
-    </p:tnLst>
-  </p:timing>
 </p:sld>
 </file>
 
@@ -6129,10 +6289,9 @@
           <a:lstStyle/>
           <a:p>
             <a:r>
-              <a:rPr lang="en-US" dirty="0" smtClean="0"/>
+              <a:rPr lang="en-US" dirty="0"/>
               <a:t>Practice</a:t>
             </a:r>
-            <a:endParaRPr lang="en-US" dirty="0"/>
           </a:p>
         </p:txBody>
       </p:sp>
@@ -6154,101 +6313,65 @@
           <a:lstStyle/>
           <a:p>
             <a:r>
-              <a:rPr lang="en-US" dirty="0" smtClean="0"/>
-              <a:t>Create an additional </a:t>
-            </a:r>
-            <a:r>
-              <a:rPr lang="en-US" dirty="0" smtClean="0"/>
-              <a:t>method in </a:t>
-            </a:r>
-            <a:r>
-              <a:rPr lang="en-US" dirty="0" err="1" smtClean="0">
+              <a:rPr lang="en-US" dirty="0"/>
+              <a:t>Create an additional instance method in </a:t>
+            </a:r>
+            <a:r>
+              <a:rPr lang="en-US" dirty="0" err="1">
                 <a:latin typeface="Consolas" panose="020B0609020204030204" pitchFamily="49" charset="0"/>
               </a:rPr>
               <a:t>BankMember</a:t>
             </a:r>
-            <a:endParaRPr lang="en-US" dirty="0" smtClean="0">
+            <a:endParaRPr lang="en-US" dirty="0">
               <a:latin typeface="Consolas" panose="020B0609020204030204" pitchFamily="49" charset="0"/>
             </a:endParaRPr>
           </a:p>
           <a:p>
             <a:pPr lvl="1"/>
             <a:r>
-              <a:rPr lang="en-US" dirty="0" err="1" smtClean="0">
+              <a:rPr lang="en-US" dirty="0" err="1">
                 <a:latin typeface="Consolas" panose="020B0609020204030204" pitchFamily="49" charset="0"/>
               </a:rPr>
               <a:t>cutCheck</a:t>
             </a:r>
-            <a:endParaRPr lang="en-US" dirty="0" smtClean="0">
+            <a:endParaRPr lang="en-US" dirty="0">
               <a:latin typeface="Consolas" panose="020B0609020204030204" pitchFamily="49" charset="0"/>
             </a:endParaRPr>
           </a:p>
           <a:p>
             <a:pPr lvl="2"/>
             <a:r>
-              <a:rPr lang="en-US" dirty="0" smtClean="0"/>
-              <a:t>takes </a:t>
-            </a:r>
-            <a:r>
               <a:rPr lang="en-US" dirty="0"/>
-              <a:t>three parameters – to member, from member, and </a:t>
-            </a:r>
-            <a:r>
-              <a:rPr lang="en-US" dirty="0" smtClean="0"/>
-              <a:t>amount</a:t>
-            </a:r>
-            <a:endParaRPr lang="en-US" dirty="0" smtClean="0">
+              <a:t>takes three parameters – to member, from member, and amount</a:t>
+            </a:r>
+            <a:endParaRPr lang="en-US" dirty="0">
               <a:latin typeface="Consolas" panose="020B0609020204030204" pitchFamily="49" charset="0"/>
             </a:endParaRPr>
           </a:p>
           <a:p>
             <a:pPr lvl="3"/>
             <a:r>
-              <a:rPr lang="en-US" dirty="0" smtClean="0">
+              <a:rPr lang="en-US" dirty="0">
                 <a:latin typeface="Consolas" panose="020B0609020204030204" pitchFamily="49" charset="0"/>
               </a:rPr>
               <a:t>to</a:t>
             </a:r>
             <a:r>
-              <a:rPr lang="en-US" dirty="0" smtClean="0"/>
-              <a:t> </a:t>
-            </a:r>
-            <a:r>
-              <a:rPr lang="en-US" dirty="0" smtClean="0"/>
-              <a:t>– </a:t>
-            </a:r>
-            <a:r>
-              <a:rPr lang="en-US" dirty="0" smtClean="0"/>
-              <a:t>the recipient of the check funds</a:t>
+              <a:rPr lang="en-US" dirty="0"/>
+              <a:t> – the recipient of the check funds</a:t>
             </a:r>
           </a:p>
           <a:p>
             <a:pPr lvl="3"/>
             <a:r>
-              <a:rPr lang="en-US" dirty="0" smtClean="0">
+              <a:rPr lang="en-US" dirty="0">
                 <a:latin typeface="Consolas" panose="020B0609020204030204" pitchFamily="49" charset="0"/>
               </a:rPr>
               <a:t>from</a:t>
             </a:r>
             <a:r>
-              <a:rPr lang="en-US" dirty="0" smtClean="0"/>
-              <a:t> </a:t>
-            </a:r>
-            <a:r>
               <a:rPr lang="en-US" dirty="0"/>
-              <a:t>– the </a:t>
-            </a:r>
-            <a:r>
-              <a:rPr lang="en-US" dirty="0" smtClean="0"/>
-              <a:t>giver </a:t>
-            </a:r>
-            <a:r>
-              <a:rPr lang="en-US" dirty="0"/>
-              <a:t>of the check </a:t>
-            </a:r>
-            <a:r>
-              <a:rPr lang="en-US" dirty="0" smtClean="0"/>
-              <a:t>funds</a:t>
+              <a:t> – the giver of the check funds</a:t>
             </a:r>
           </a:p>
           <a:p>
@@ -6270,10 +6393,9 @@
           <a:p>
             <a:pPr lvl="2"/>
             <a:r>
-              <a:rPr lang="en-US" dirty="0" smtClean="0"/>
+              <a:rPr lang="en-US" dirty="0"/>
               <a:t>creates and returns a new check with the supplied values</a:t>
             </a:r>
-            <a:endParaRPr lang="en-US" dirty="0" smtClean="0"/>
           </a:p>
         </p:txBody>
       </p:sp>
@@ -6287,13 +6409,6 @@
   <p:clrMapOvr>
     <a:masterClrMapping/>
   </p:clrMapOvr>
-  <p:timing>
-    <p:tnLst>
-      <p:par>
-        <p:cTn id="1" dur="indefinite" restart="never" nodeType="tmRoot"/>
-      </p:par>
-    </p:tnLst>
-  </p:timing>
 </p:sld>
 </file>
 
@@ -6330,10 +6445,9 @@
           <a:lstStyle/>
           <a:p>
             <a:r>
-              <a:rPr lang="en-US" dirty="0" smtClean="0"/>
+              <a:rPr lang="en-US" dirty="0"/>
               <a:t>Practice</a:t>
             </a:r>
-            <a:endParaRPr lang="en-US" dirty="0"/>
           </a:p>
         </p:txBody>
       </p:sp>
@@ -6353,18 +6467,18 @@
           <a:lstStyle/>
           <a:p>
             <a:r>
-              <a:rPr lang="en-US" dirty="0" smtClean="0"/>
+              <a:rPr lang="en-US" dirty="0"/>
               <a:t>Generate the Javadoc comments for our game so far.</a:t>
             </a:r>
           </a:p>
           <a:p>
             <a:pPr lvl="1"/>
             <a:r>
-              <a:rPr lang="en-US" dirty="0" err="1" smtClean="0"/>
+              <a:rPr lang="en-US" dirty="0" err="1"/>
               <a:t>DrJava</a:t>
             </a:r>
             <a:r>
-              <a:rPr lang="en-US" dirty="0" smtClean="0"/>
+              <a:rPr lang="en-US" dirty="0"/>
               <a:t> has a button to do this.</a:t>
             </a:r>
           </a:p>
@@ -6380,13 +6494,158 @@
   <p:clrMapOvr>
     <a:masterClrMapping/>
   </p:clrMapOvr>
-  <p:timing>
-    <p:tnLst>
-      <p:par>
-        <p:cTn id="1" dur="indefinite" restart="never" nodeType="tmRoot"/>
-      </p:par>
-    </p:tnLst>
-  </p:timing>
+</p:sld>
+</file>
+
+<file path=ppt/slides/slide9.xml><?xml version="1.0" encoding="utf-8"?>
+<p:sld xmlns:a="http://schemas.openxmlformats.org/drawingml/2006/main" xmlns:r="http://schemas.openxmlformats.org/officeDocument/2006/relationships" xmlns:p="http://schemas.openxmlformats.org/presentationml/2006/main">
+  <p:cSld>
+    <p:spTree>
+      <p:nvGrpSpPr>
+        <p:cNvPr id="1" name=""/>
+        <p:cNvGrpSpPr/>
+        <p:nvPr/>
+      </p:nvGrpSpPr>
+      <p:grpSpPr>
+        <a:xfrm>
+          <a:off x="0" y="0"/>
+          <a:ext cx="0" cy="0"/>
+          <a:chOff x="0" y="0"/>
+          <a:chExt cx="0" cy="0"/>
+        </a:xfrm>
+      </p:grpSpPr>
+      <p:sp>
+        <p:nvSpPr>
+          <p:cNvPr id="2" name="Title 1"/>
+          <p:cNvSpPr>
+            <a:spLocks noGrp="1"/>
+          </p:cNvSpPr>
+          <p:nvPr>
+            <p:ph type="title"/>
+          </p:nvPr>
+        </p:nvSpPr>
+        <p:spPr/>
+        <p:txBody>
+          <a:bodyPr/>
+          <a:lstStyle/>
+          <a:p>
+            <a:r>
+              <a:rPr lang="en-US" dirty="0"/>
+              <a:t>Practice</a:t>
+            </a:r>
+          </a:p>
+        </p:txBody>
+      </p:sp>
+      <p:sp>
+        <p:nvSpPr>
+          <p:cNvPr id="3" name="Content Placeholder 2"/>
+          <p:cNvSpPr>
+            <a:spLocks noGrp="1"/>
+          </p:cNvSpPr>
+          <p:nvPr>
+            <p:ph idx="1"/>
+          </p:nvPr>
+        </p:nvSpPr>
+        <p:spPr/>
+        <p:txBody>
+          <a:bodyPr>
+            <a:normAutofit/>
+          </a:bodyPr>
+          <a:lstStyle/>
+          <a:p>
+            <a:r>
+              <a:rPr lang="en-US" dirty="0"/>
+              <a:t>Create an additional class </a:t>
+            </a:r>
+            <a:r>
+              <a:rPr lang="en-US" dirty="0">
+                <a:latin typeface="Consolas" panose="020B0609020204030204" pitchFamily="49" charset="0"/>
+              </a:rPr>
+              <a:t>Money</a:t>
+            </a:r>
+          </a:p>
+          <a:p>
+            <a:pPr lvl="1"/>
+            <a:r>
+              <a:rPr lang="en-US" dirty="0"/>
+              <a:t>Two instance variables</a:t>
+            </a:r>
+          </a:p>
+          <a:p>
+            <a:pPr lvl="2"/>
+            <a:r>
+              <a:rPr lang="en-US" dirty="0">
+                <a:latin typeface="Consolas" panose="020B0609020204030204" pitchFamily="49" charset="0"/>
+              </a:rPr>
+              <a:t>dollars</a:t>
+            </a:r>
+            <a:r>
+              <a:rPr lang="en-US" dirty="0"/>
+              <a:t> – number of dollars</a:t>
+            </a:r>
+            <a:endParaRPr lang="en-US" dirty="0">
+              <a:latin typeface="Consolas" panose="020B0609020204030204" pitchFamily="49" charset="0"/>
+            </a:endParaRPr>
+          </a:p>
+          <a:p>
+            <a:pPr lvl="2"/>
+            <a:r>
+              <a:rPr lang="en-US" dirty="0">
+                <a:latin typeface="Consolas" panose="020B0609020204030204" pitchFamily="49" charset="0"/>
+              </a:rPr>
+              <a:t>cents</a:t>
+            </a:r>
+            <a:r>
+              <a:rPr lang="en-US" dirty="0"/>
+              <a:t> – number of cents</a:t>
+            </a:r>
+          </a:p>
+          <a:p>
+            <a:pPr lvl="1"/>
+            <a:r>
+              <a:rPr lang="en-US" dirty="0"/>
+              <a:t>Only constructor</a:t>
+            </a:r>
+          </a:p>
+          <a:p>
+            <a:pPr lvl="2"/>
+            <a:r>
+              <a:rPr lang="en-US" dirty="0"/>
+              <a:t>takes a two parameters – number of dollars and number of cents</a:t>
+            </a:r>
+          </a:p>
+          <a:p>
+            <a:pPr lvl="1"/>
+            <a:r>
+              <a:rPr lang="en-US" dirty="0"/>
+              <a:t>Following instance methods</a:t>
+            </a:r>
+          </a:p>
+          <a:p>
+            <a:pPr lvl="2"/>
+            <a:r>
+              <a:rPr lang="en-US" dirty="0" err="1">
+                <a:latin typeface="Consolas" panose="020B0609020204030204" pitchFamily="49" charset="0"/>
+              </a:rPr>
+              <a:t>getAmount</a:t>
+            </a:r>
+            <a:r>
+              <a:rPr lang="en-US" dirty="0"/>
+              <a:t> – returns the double value of the money</a:t>
+            </a:r>
+          </a:p>
+        </p:txBody>
+      </p:sp>
+    </p:spTree>
+    <p:extLst>
+      <p:ext uri="{BB962C8B-B14F-4D97-AF65-F5344CB8AC3E}">
+        <p14:creationId xmlns:p14="http://schemas.microsoft.com/office/powerpoint/2010/main" val="2750895923"/>
+      </p:ext>
+    </p:extLst>
+  </p:cSld>
+  <p:clrMapOvr>
+    <a:masterClrMapping/>
+  </p:clrMapOvr>
 </p:sld>
 </file>
 
